--- a/PPT/PPT2020/DB第07章（2）.pptx
+++ b/PPT/PPT2020/DB第07章（2）.pptx
@@ -301,7 +301,7 @@
               <a:pPr>
                 <a:defRPr/>
               </a:pPr>
-              <a:t>2020/4/1</a:t>
+              <a:t>2020/4/13</a:t>
             </a:fld>
             <a:endParaRPr lang="zh-CN" altLang="en-US"/>
           </a:p>
@@ -317,7 +317,7 @@
             </a:extLst>
           </p:cNvPr>
           <p:cNvSpPr>
-            <a:spLocks noGrp="1" noChangeArrowheads="1"/>
+            <a:spLocks noGrp="1" noRot="1" noChangeAspect="1" noChangeArrowheads="1"/>
           </p:cNvSpPr>
           <p:nvPr>
             <p:ph type="sldImg" idx="4294967295"/>
@@ -6791,7 +6791,37 @@
                   <a:srgbClr val="0066FF"/>
                 </a:solidFill>
               </a:rPr>
-              <a:t>将实体、属性和联系 转化为 关系模式</a:t>
+              <a:t>将</a:t>
+            </a:r>
+            <a:r>
+              <a:rPr lang="zh-CN" altLang="en-US" noProof="1">
+                <a:solidFill>
+                  <a:srgbClr val="0066FF"/>
+                </a:solidFill>
+                <a:highlight>
+                  <a:srgbClr val="FFFF00"/>
+                </a:highlight>
+              </a:rPr>
+              <a:t>实体、属性和联系 </a:t>
+            </a:r>
+            <a:r>
+              <a:rPr lang="zh-CN" altLang="en-US" noProof="1">
+                <a:solidFill>
+                  <a:srgbClr val="0066FF"/>
+                </a:solidFill>
+              </a:rPr>
+              <a:t>转化为 </a:t>
+            </a:r>
+            <a:r>
+              <a:rPr lang="zh-CN" altLang="en-US" noProof="1">
+                <a:solidFill>
+                  <a:srgbClr val="0066FF"/>
+                </a:solidFill>
+                <a:highlight>
+                  <a:srgbClr val="FFFF00"/>
+                </a:highlight>
+              </a:rPr>
+              <a:t>关系模式</a:t>
             </a:r>
           </a:p>
         </p:txBody>
@@ -7860,19 +7890,19 @@
               </a:lnSpc>
             </a:pPr>
             <a:r>
-              <a:rPr lang="zh-CN" altLang="en-US">
+              <a:rPr lang="zh-CN" altLang="en-US" dirty="0">
                 <a:sym typeface="Arial" panose="020B0604020202020204" pitchFamily="34" charset="0"/>
               </a:rPr>
               <a:t>数据库逻辑设计的结果</a:t>
             </a:r>
             <a:r>
-              <a:rPr lang="zh-CN" altLang="en-US" u="sng">
+              <a:rPr lang="zh-CN" altLang="en-US" u="sng" dirty="0">
                 <a:sym typeface="Arial" panose="020B0604020202020204" pitchFamily="34" charset="0"/>
               </a:rPr>
               <a:t>不是唯一的</a:t>
             </a:r>
             <a:r>
-              <a:rPr lang="zh-CN" altLang="en-US">
+              <a:rPr lang="zh-CN" altLang="en-US" dirty="0">
                 <a:sym typeface="Arial" panose="020B0604020202020204" pitchFamily="34" charset="0"/>
               </a:rPr>
               <a:t>。</a:t>
@@ -7884,7 +7914,7 @@
                 <a:spcPct val="120000"/>
               </a:lnSpc>
             </a:pPr>
-            <a:endParaRPr lang="zh-CN" altLang="en-US"/>
+            <a:endParaRPr lang="zh-CN" altLang="en-US" dirty="0"/>
           </a:p>
           <a:p>
             <a:pPr>
@@ -7893,13 +7923,13 @@
               </a:lnSpc>
             </a:pPr>
             <a:r>
-              <a:rPr lang="zh-CN" altLang="en-US">
+              <a:rPr lang="zh-CN" altLang="en-US" dirty="0">
                 <a:sym typeface="Arial" panose="020B0604020202020204" pitchFamily="34" charset="0"/>
               </a:rPr>
               <a:t>得到初步数据模型后，还应该适当地修改、调整数据模型的结构，以进一步提高数据库应用系统的性能，这就是</a:t>
             </a:r>
             <a:r>
-              <a:rPr lang="zh-CN" altLang="en-US">
+              <a:rPr lang="zh-CN" altLang="en-US" dirty="0">
                 <a:solidFill>
                   <a:srgbClr val="0066FF"/>
                 </a:solidFill>
@@ -7908,7 +7938,7 @@
               <a:t>数据模型的优化</a:t>
             </a:r>
             <a:r>
-              <a:rPr lang="zh-CN" altLang="en-US">
+              <a:rPr lang="zh-CN" altLang="en-US" dirty="0">
                 <a:sym typeface="Arial" panose="020B0604020202020204" pitchFamily="34" charset="0"/>
               </a:rPr>
               <a:t>。</a:t>
@@ -7920,7 +7950,7 @@
                 <a:spcPct val="120000"/>
               </a:lnSpc>
             </a:pPr>
-            <a:endParaRPr lang="zh-CN" altLang="en-US"/>
+            <a:endParaRPr lang="zh-CN" altLang="en-US" dirty="0"/>
           </a:p>
           <a:p>
             <a:pPr>
@@ -7929,24 +7959,27 @@
               </a:lnSpc>
             </a:pPr>
             <a:r>
-              <a:rPr lang="zh-CN" altLang="en-US">
+              <a:rPr lang="zh-CN" altLang="en-US" dirty="0">
                 <a:sym typeface="Arial" panose="020B0604020202020204" pitchFamily="34" charset="0"/>
               </a:rPr>
               <a:t>关系数据模型的优化通常以</a:t>
             </a:r>
             <a:r>
-              <a:rPr lang="zh-CN" altLang="en-US" u="sng">
+              <a:rPr lang="zh-CN" altLang="en-US" u="sng" dirty="0">
+                <a:highlight>
+                  <a:srgbClr val="FFFF00"/>
+                </a:highlight>
                 <a:sym typeface="Arial" panose="020B0604020202020204" pitchFamily="34" charset="0"/>
               </a:rPr>
               <a:t>规范化理论</a:t>
             </a:r>
             <a:r>
-              <a:rPr lang="zh-CN" altLang="en-US">
+              <a:rPr lang="zh-CN" altLang="en-US" dirty="0">
                 <a:sym typeface="Arial" panose="020B0604020202020204" pitchFamily="34" charset="0"/>
               </a:rPr>
               <a:t>为指导。</a:t>
             </a:r>
-            <a:endParaRPr lang="zh-CN" altLang="en-US"/>
+            <a:endParaRPr lang="zh-CN" altLang="en-US" dirty="0"/>
           </a:p>
         </p:txBody>
       </p:sp>

--- a/PPT/PPT2020/DB第07章（2）.pptx
+++ b/PPT/PPT2020/DB第07章（2）.pptx
@@ -5,7 +5,7 @@
     <p:sldMasterId id="2147483648" r:id="rId1"/>
   </p:sldMasterIdLst>
   <p:notesMasterIdLst>
-    <p:notesMasterId r:id="rId27"/>
+    <p:notesMasterId r:id="rId26"/>
   </p:notesMasterIdLst>
   <p:sldIdLst>
     <p:sldId id="258" r:id="rId2"/>
@@ -28,11 +28,10 @@
     <p:sldId id="521" r:id="rId19"/>
     <p:sldId id="493" r:id="rId20"/>
     <p:sldId id="494" r:id="rId21"/>
-    <p:sldId id="495" r:id="rId22"/>
-    <p:sldId id="496" r:id="rId23"/>
-    <p:sldId id="522" r:id="rId24"/>
-    <p:sldId id="498" r:id="rId25"/>
-    <p:sldId id="509" r:id="rId26"/>
+    <p:sldId id="496" r:id="rId22"/>
+    <p:sldId id="522" r:id="rId23"/>
+    <p:sldId id="498" r:id="rId24"/>
+    <p:sldId id="509" r:id="rId25"/>
   </p:sldIdLst>
   <p:sldSz cx="9144000" cy="6858000" type="screen4x3"/>
   <p:notesSz cx="6834188" cy="9979025"/>
@@ -301,7 +300,7 @@
               <a:pPr>
                 <a:defRPr/>
               </a:pPr>
-              <a:t>2020/4/13</a:t>
+              <a:t>2020/4/19</a:t>
             </a:fld>
             <a:endParaRPr lang="zh-CN" altLang="en-US"/>
           </a:p>
@@ -3536,23 +3535,43 @@
               </a:lnSpc>
             </a:pPr>
             <a:r>
-              <a:rPr lang="zh-CN" altLang="en-US"/>
-              <a:t>定义用户外模式</a:t>
-            </a:r>
-            <a:r>
-              <a:rPr lang="en-US" altLang="zh-CN"/>
+              <a:rPr lang="zh-CN" altLang="en-US" dirty="0"/>
+              <a:t>定义</a:t>
+            </a:r>
+            <a:r>
+              <a:rPr lang="zh-CN" altLang="en-US" dirty="0">
+                <a:highlight>
+                  <a:srgbClr val="FFFF00"/>
+                </a:highlight>
+              </a:rPr>
+              <a:t>用户外模式</a:t>
+            </a:r>
+            <a:r>
+              <a:rPr lang="en-US" altLang="zh-CN" dirty="0">
+                <a:highlight>
+                  <a:srgbClr val="FFFF00"/>
+                </a:highlight>
+              </a:rPr>
               <a:t>(</a:t>
             </a:r>
             <a:r>
-              <a:rPr lang="zh-CN" altLang="zh-CN"/>
+              <a:rPr lang="zh-CN" altLang="zh-CN" dirty="0">
+                <a:highlight>
+                  <a:srgbClr val="FFFF00"/>
+                </a:highlight>
+              </a:rPr>
               <a:t>子模式</a:t>
             </a:r>
             <a:r>
-              <a:rPr lang="en-US" altLang="zh-CN"/>
+              <a:rPr lang="en-US" altLang="zh-CN" dirty="0">
+                <a:highlight>
+                  <a:srgbClr val="FFFF00"/>
+                </a:highlight>
+              </a:rPr>
               <a:t>)</a:t>
             </a:r>
             <a:r>
-              <a:rPr lang="zh-CN" altLang="en-US"/>
+              <a:rPr lang="zh-CN" altLang="en-US" dirty="0"/>
               <a:t>时应该更注重考虑用户的习惯与方便。包括三个方面：</a:t>
             </a:r>
           </a:p>
@@ -3562,7 +3581,7 @@
                 <a:spcPct val="120000"/>
               </a:lnSpc>
             </a:pPr>
-            <a:endParaRPr lang="zh-CN" altLang="en-US"/>
+            <a:endParaRPr lang="zh-CN" altLang="en-US" dirty="0"/>
           </a:p>
           <a:p>
             <a:pPr>
@@ -3570,22 +3589,22 @@
               <a:buNone/>
             </a:pPr>
             <a:r>
-              <a:rPr lang="zh-CN" altLang="en-US" sz="2400">
+              <a:rPr lang="zh-CN" altLang="en-US" sz="2400" dirty="0">
                 <a:sym typeface="Arial" panose="020B0604020202020204" pitchFamily="34" charset="0"/>
               </a:rPr>
               <a:t>（</a:t>
             </a:r>
             <a:r>
-              <a:rPr lang="en-US" altLang="zh-CN" sz="2400">
+              <a:rPr lang="en-US" altLang="zh-CN" sz="2400" dirty="0">
                 <a:sym typeface="Arial" panose="020B0604020202020204" pitchFamily="34" charset="0"/>
               </a:rPr>
               <a:t>1</a:t>
             </a:r>
             <a:r>
-              <a:rPr lang="zh-CN" altLang="en-US" sz="2400">
+              <a:rPr lang="zh-CN" altLang="en-US" sz="2400" dirty="0">
                 <a:sym typeface="Arial" panose="020B0604020202020204" pitchFamily="34" charset="0"/>
               </a:rPr>
-              <a:t>）使用更符合用户习惯的别名</a:t>
+              <a:t>）使用更符合用户习惯的别名。</a:t>
             </a:r>
           </a:p>
           <a:p>
@@ -3594,22 +3613,22 @@
               <a:buNone/>
             </a:pPr>
             <a:r>
-              <a:rPr lang="zh-CN" altLang="en-US" sz="2400">
+              <a:rPr lang="zh-CN" altLang="en-US" sz="2400" dirty="0">
                 <a:sym typeface="Arial" panose="020B0604020202020204" pitchFamily="34" charset="0"/>
               </a:rPr>
               <a:t>（</a:t>
             </a:r>
             <a:r>
-              <a:rPr lang="en-US" altLang="zh-CN" sz="2400">
+              <a:rPr lang="en-US" altLang="zh-CN" sz="2400" dirty="0">
                 <a:sym typeface="Arial" panose="020B0604020202020204" pitchFamily="34" charset="0"/>
               </a:rPr>
               <a:t>2</a:t>
             </a:r>
             <a:r>
-              <a:rPr lang="zh-CN" altLang="en-US" sz="2400">
+              <a:rPr lang="zh-CN" altLang="en-US" sz="2400" dirty="0">
                 <a:sym typeface="Arial" panose="020B0604020202020204" pitchFamily="34" charset="0"/>
               </a:rPr>
-              <a:t>）针对不同级别的用户定义不同的视图，以保证系统的安全性。</a:t>
+              <a:t>）针对不同用户定义不同视图，保证系统的安全性。</a:t>
             </a:r>
           </a:p>
           <a:p>
@@ -3618,24 +3637,24 @@
               <a:buNone/>
             </a:pPr>
             <a:r>
-              <a:rPr lang="zh-CN" altLang="en-US" sz="2400">
+              <a:rPr lang="zh-CN" altLang="en-US" sz="2400" dirty="0">
                 <a:sym typeface="Arial" panose="020B0604020202020204" pitchFamily="34" charset="0"/>
               </a:rPr>
               <a:t>（</a:t>
             </a:r>
             <a:r>
-              <a:rPr lang="en-US" altLang="zh-CN" sz="2400">
+              <a:rPr lang="en-US" altLang="zh-CN" sz="2400" dirty="0">
                 <a:sym typeface="Arial" panose="020B0604020202020204" pitchFamily="34" charset="0"/>
               </a:rPr>
               <a:t>3</a:t>
             </a:r>
             <a:r>
-              <a:rPr lang="zh-CN" altLang="en-US" sz="2400">
+              <a:rPr lang="zh-CN" altLang="en-US" sz="2400" dirty="0">
                 <a:sym typeface="Arial" panose="020B0604020202020204" pitchFamily="34" charset="0"/>
               </a:rPr>
-              <a:t>）简化用户对系统的使用</a:t>
-            </a:r>
-            <a:endParaRPr lang="zh-CN" altLang="zh-CN" sz="2400"/>
+              <a:t>）简化用户对系统的使用。</a:t>
+            </a:r>
+            <a:endParaRPr lang="zh-CN" altLang="zh-CN" sz="2400" dirty="0"/>
           </a:p>
         </p:txBody>
       </p:sp>
@@ -3974,7 +3993,18 @@
                   <a:srgbClr val="0066FF"/>
                 </a:solidFill>
               </a:rPr>
-              <a:t>依赖于选定的数据库管理系统</a:t>
+              <a:t>依赖于选定的</a:t>
+            </a:r>
+            <a:r>
+              <a:rPr lang="zh-CN" altLang="en-US" sz="2000" noProof="1">
+                <a:solidFill>
+                  <a:srgbClr val="0066FF"/>
+                </a:solidFill>
+                <a:highlight>
+                  <a:srgbClr val="FFFF00"/>
+                </a:highlight>
+              </a:rPr>
+              <a:t>数据库管理系统</a:t>
             </a:r>
             <a:r>
               <a:rPr lang="zh-CN" altLang="en-US" sz="2000" noProof="1"/>
@@ -4720,7 +4750,7 @@
             </a:pPr>
             <a:r>
               <a:rPr lang="zh-CN" altLang="en-US" sz="2400" noProof="1"/>
-              <a:t>数据装载方法</a:t>
+              <a:t>数据装载方法：</a:t>
             </a:r>
           </a:p>
           <a:p>
@@ -5174,19 +5204,30 @@
               </a:lnSpc>
             </a:pPr>
             <a:r>
-              <a:rPr lang="zh-CN" altLang="en-US"/>
+              <a:rPr lang="zh-CN" altLang="en-US" dirty="0"/>
               <a:t>应用程序调试完成，并且已有一小部分数据入库后，就可以开始对数据库系统进行联合调试，也称</a:t>
             </a:r>
             <a:r>
-              <a:rPr lang="zh-CN" altLang="en-US">
+              <a:rPr lang="zh-CN" altLang="en-US" dirty="0">
                 <a:solidFill>
                   <a:srgbClr val="FF0000"/>
                 </a:solidFill>
               </a:rPr>
-              <a:t>数据库的试运行</a:t>
-            </a:r>
-            <a:r>
-              <a:rPr lang="zh-CN" altLang="en-US"/>
+              <a:t>数据库的</a:t>
+            </a:r>
+            <a:r>
+              <a:rPr lang="zh-CN" altLang="en-US" dirty="0">
+                <a:solidFill>
+                  <a:srgbClr val="FF0000"/>
+                </a:solidFill>
+                <a:highlight>
+                  <a:srgbClr val="FFFF00"/>
+                </a:highlight>
+              </a:rPr>
+              <a:t>试运行</a:t>
+            </a:r>
+            <a:r>
+              <a:rPr lang="zh-CN" altLang="en-US" dirty="0"/>
               <a:t>。</a:t>
             </a:r>
           </a:p>
@@ -5197,7 +5238,7 @@
               </a:lnSpc>
             </a:pPr>
             <a:r>
-              <a:rPr lang="zh-CN" altLang="en-US"/>
+              <a:rPr lang="zh-CN" altLang="en-US" dirty="0"/>
               <a:t>主要工作包括：</a:t>
             </a:r>
           </a:p>
@@ -5208,7 +5249,7 @@
               </a:lnSpc>
             </a:pPr>
             <a:r>
-              <a:rPr lang="zh-CN" altLang="en-US">
+              <a:rPr lang="zh-CN" altLang="en-US" dirty="0">
                 <a:solidFill>
                   <a:srgbClr val="0066FF"/>
                 </a:solidFill>
@@ -5216,7 +5257,7 @@
               <a:t>功能测试</a:t>
             </a:r>
             <a:r>
-              <a:rPr lang="zh-CN" altLang="en-US"/>
+              <a:rPr lang="zh-CN" altLang="en-US" dirty="0"/>
               <a:t>：实际运行应用程序，执行对数据库的各种操作，测试应用程序的各种功能。</a:t>
             </a:r>
           </a:p>
@@ -5227,7 +5268,7 @@
               </a:lnSpc>
             </a:pPr>
             <a:r>
-              <a:rPr lang="zh-CN" altLang="en-US">
+              <a:rPr lang="zh-CN" altLang="en-US" dirty="0">
                 <a:solidFill>
                   <a:srgbClr val="0066FF"/>
                 </a:solidFill>
@@ -5235,7 +5276,7 @@
               <a:t>性能测试</a:t>
             </a:r>
             <a:r>
-              <a:rPr lang="zh-CN" altLang="en-US"/>
+              <a:rPr lang="zh-CN" altLang="en-US" dirty="0"/>
               <a:t>：测量系统的性能指标，分析是否符合设计目标。</a:t>
             </a:r>
           </a:p>
@@ -5535,10 +5576,10 @@
               </a:lnSpc>
             </a:pPr>
             <a:r>
-              <a:rPr lang="zh-CN" altLang="en-US"/>
+              <a:rPr lang="zh-CN" altLang="en-US" dirty="0"/>
               <a:t>数据库性能指标的测量</a:t>
             </a:r>
-            <a:endParaRPr lang="zh-CN" altLang="en-US" sz="3200"/>
+            <a:endParaRPr lang="zh-CN" altLang="en-US" sz="3200" dirty="0"/>
           </a:p>
           <a:p>
             <a:pPr lvl="1">
@@ -5547,8 +5588,8 @@
               </a:lnSpc>
             </a:pPr>
             <a:r>
-              <a:rPr lang="zh-CN" altLang="en-US"/>
-              <a:t>数据库试运行则是要实际测量系统的各种性能指标。</a:t>
+              <a:rPr lang="zh-CN" altLang="en-US" dirty="0"/>
+              <a:t>数据库试运行要实际测量系统的各种性能指标。</a:t>
             </a:r>
           </a:p>
           <a:p>
@@ -5557,7 +5598,7 @@
                 <a:spcPct val="120000"/>
               </a:lnSpc>
             </a:pPr>
-            <a:endParaRPr lang="zh-CN" altLang="en-US"/>
+            <a:endParaRPr lang="zh-CN" altLang="en-US" dirty="0"/>
           </a:p>
           <a:p>
             <a:pPr lvl="1">
@@ -5566,7 +5607,7 @@
               </a:lnSpc>
             </a:pPr>
             <a:r>
-              <a:rPr lang="zh-CN" altLang="en-US"/>
+              <a:rPr lang="zh-CN" altLang="en-US" dirty="0"/>
               <a:t>如果结果不符合设计目标，则需要返回物理设计阶段，调整物理结构，修改参数；有时甚至需要返回逻辑设计阶段，调整逻辑结构。</a:t>
             </a:r>
           </a:p>
@@ -5582,151 +5623,6 @@
 </file>
 
 <file path=ppt/slides/slide21.xml><?xml version="1.0" encoding="utf-8"?>
-<p:sld xmlns:a="http://schemas.openxmlformats.org/drawingml/2006/main" xmlns:r="http://schemas.openxmlformats.org/officeDocument/2006/relationships" xmlns:p="http://schemas.openxmlformats.org/presentationml/2006/main">
-  <p:cSld>
-    <p:spTree>
-      <p:nvGrpSpPr>
-        <p:cNvPr id="1" name=""/>
-        <p:cNvGrpSpPr/>
-        <p:nvPr/>
-      </p:nvGrpSpPr>
-      <p:grpSpPr>
-        <a:xfrm>
-          <a:off x="0" y="0"/>
-          <a:ext cx="0" cy="0"/>
-          <a:chOff x="0" y="0"/>
-          <a:chExt cx="0" cy="0"/>
-        </a:xfrm>
-      </p:grpSpPr>
-      <p:sp>
-        <p:nvSpPr>
-          <p:cNvPr id="23553" name="Rectangle 2">
-            <a:extLst>
-              <a:ext uri="{FF2B5EF4-FFF2-40B4-BE49-F238E27FC236}">
-                <a16:creationId xmlns:a16="http://schemas.microsoft.com/office/drawing/2014/main" id="{2CF4FF21-59CE-4A4A-BC7E-8272DC6F782A}"/>
-              </a:ext>
-            </a:extLst>
-          </p:cNvPr>
-          <p:cNvSpPr>
-            <a:spLocks noGrp="1" noChangeArrowheads="1"/>
-          </p:cNvSpPr>
-          <p:nvPr>
-            <p:ph type="title" idx="4294967295"/>
-          </p:nvPr>
-        </p:nvSpPr>
-        <p:spPr/>
-        <p:txBody>
-          <a:bodyPr/>
-          <a:lstStyle/>
-          <a:p>
-            <a:r>
-              <a:rPr lang="zh-CN" altLang="en-US" sz="3600"/>
-              <a:t>数据库的试运行（续）</a:t>
-            </a:r>
-          </a:p>
-        </p:txBody>
-      </p:sp>
-      <p:sp>
-        <p:nvSpPr>
-          <p:cNvPr id="23554" name="Rectangle 3">
-            <a:extLst>
-              <a:ext uri="{FF2B5EF4-FFF2-40B4-BE49-F238E27FC236}">
-                <a16:creationId xmlns:a16="http://schemas.microsoft.com/office/drawing/2014/main" id="{3E3359FF-B8C3-4F39-BF59-2C7BA1C87DBC}"/>
-              </a:ext>
-            </a:extLst>
-          </p:cNvPr>
-          <p:cNvSpPr>
-            <a:spLocks noGrp="1" noChangeArrowheads="1"/>
-          </p:cNvSpPr>
-          <p:nvPr>
-            <p:ph idx="4294967295"/>
-          </p:nvPr>
-        </p:nvSpPr>
-        <p:spPr>
-          <a:xfrm>
-            <a:off x="457200" y="1098550"/>
-            <a:ext cx="8435975" cy="5095875"/>
-          </a:xfrm>
-        </p:spPr>
-        <p:txBody>
-          <a:bodyPr/>
-          <a:lstStyle/>
-          <a:p>
-            <a:pPr>
-              <a:lnSpc>
-                <a:spcPct val="120000"/>
-              </a:lnSpc>
-            </a:pPr>
-            <a:r>
-              <a:rPr lang="zh-CN" altLang="en-US"/>
-              <a:t>数据的分期入库</a:t>
-            </a:r>
-          </a:p>
-          <a:p>
-            <a:pPr lvl="1">
-              <a:lnSpc>
-                <a:spcPct val="120000"/>
-              </a:lnSpc>
-            </a:pPr>
-            <a:r>
-              <a:rPr lang="zh-CN" altLang="en-US"/>
-              <a:t>由于数据入库工作量实在太大，所以可以采用分期输入数据的方法</a:t>
-            </a:r>
-          </a:p>
-          <a:p>
-            <a:pPr lvl="2">
-              <a:lnSpc>
-                <a:spcPct val="120000"/>
-              </a:lnSpc>
-              <a:buSzPct val="87000"/>
-              <a:buFont typeface="Wingdings" panose="05000000000000000000" pitchFamily="2" charset="2"/>
-              <a:buChar char="l"/>
-            </a:pPr>
-            <a:r>
-              <a:rPr lang="zh-CN" altLang="en-US"/>
-              <a:t>先输入小批量数据供先期联合调试使用</a:t>
-            </a:r>
-          </a:p>
-          <a:p>
-            <a:pPr lvl="2">
-              <a:lnSpc>
-                <a:spcPct val="120000"/>
-              </a:lnSpc>
-              <a:buSzPct val="87000"/>
-              <a:buFont typeface="Wingdings" panose="05000000000000000000" pitchFamily="2" charset="2"/>
-              <a:buChar char="l"/>
-            </a:pPr>
-            <a:r>
-              <a:rPr lang="zh-CN" altLang="en-US"/>
-              <a:t>待试运行基本合格后再输入大批量数据</a:t>
-            </a:r>
-          </a:p>
-          <a:p>
-            <a:pPr lvl="2">
-              <a:lnSpc>
-                <a:spcPct val="120000"/>
-              </a:lnSpc>
-              <a:buSzPct val="87000"/>
-              <a:buFont typeface="Wingdings" panose="05000000000000000000" pitchFamily="2" charset="2"/>
-              <a:buChar char="l"/>
-            </a:pPr>
-            <a:r>
-              <a:rPr lang="zh-CN" altLang="en-US"/>
-              <a:t>逐步增加数据量，逐步完成运行评价</a:t>
-            </a:r>
-          </a:p>
-        </p:txBody>
-      </p:sp>
-    </p:spTree>
-  </p:cSld>
-  <p:clrMapOvr>
-    <a:masterClrMapping/>
-  </p:clrMapOvr>
-  <p:transition/>
-</p:sld>
-</file>
-
-<file path=ppt/slides/slide22.xml><?xml version="1.0" encoding="utf-8"?>
 <p:sld xmlns:a="http://schemas.openxmlformats.org/drawingml/2006/main" xmlns:r="http://schemas.openxmlformats.org/officeDocument/2006/relationships" xmlns:p="http://schemas.openxmlformats.org/presentationml/2006/main">
   <p:cSld>
     <p:spTree>
@@ -5857,7 +5753,7 @@
 </p:sld>
 </file>
 
-<file path=ppt/slides/slide23.xml><?xml version="1.0" encoding="utf-8"?>
+<file path=ppt/slides/slide22.xml><?xml version="1.0" encoding="utf-8"?>
 <p:sld xmlns:a="http://schemas.openxmlformats.org/drawingml/2006/main" xmlns:r="http://schemas.openxmlformats.org/officeDocument/2006/relationships" xmlns:p="http://schemas.openxmlformats.org/presentationml/2006/main">
   <p:cSld>
     <p:spTree>
@@ -6060,7 +5956,7 @@
 </p:sld>
 </file>
 
-<file path=ppt/slides/slide24.xml><?xml version="1.0" encoding="utf-8"?>
+<file path=ppt/slides/slide23.xml><?xml version="1.0" encoding="utf-8"?>
 <p:sld xmlns:a="http://schemas.openxmlformats.org/drawingml/2006/main" xmlns:r="http://schemas.openxmlformats.org/officeDocument/2006/relationships" xmlns:p="http://schemas.openxmlformats.org/presentationml/2006/main">
   <p:cSld>
     <p:spTree>
@@ -6253,7 +6149,7 @@
 </p:sld>
 </file>
 
-<file path=ppt/slides/slide25.xml><?xml version="1.0" encoding="utf-8"?>
+<file path=ppt/slides/slide24.xml><?xml version="1.0" encoding="utf-8"?>
 <p:sld xmlns:a="http://schemas.openxmlformats.org/drawingml/2006/main" xmlns:r="http://schemas.openxmlformats.org/officeDocument/2006/relationships" xmlns:p="http://schemas.openxmlformats.org/presentationml/2006/main">
   <p:cSld>
     <p:spTree>
@@ -6752,30 +6648,11 @@
               <a:buFont typeface="Wingdings" panose="05000000000000000000" pitchFamily="2" charset="2"/>
               <a:buNone/>
             </a:pPr>
-            <a:r>
-              <a:rPr lang="zh-CN" altLang="en-US" noProof="1">
-                <a:solidFill>
-                  <a:srgbClr val="0066FF"/>
-                </a:solidFill>
-              </a:rPr>
-              <a:t>将</a:t>
-            </a:r>
-            <a:r>
-              <a:rPr lang="en-US" altLang="zh-CN" noProof="1">
-                <a:solidFill>
-                  <a:srgbClr val="0066FF"/>
-                </a:solidFill>
-              </a:rPr>
-              <a:t>E-R</a:t>
-            </a:r>
-            <a:r>
-              <a:rPr lang="zh-CN" altLang="en-US" noProof="1">
-                <a:solidFill>
-                  <a:srgbClr val="0066FF"/>
-                </a:solidFill>
-              </a:rPr>
-              <a:t>图转换为关系模型：</a:t>
-            </a:r>
+            <a:endParaRPr lang="en-US" altLang="zh-CN" noProof="1">
+              <a:solidFill>
+                <a:srgbClr val="0066FF"/>
+              </a:solidFill>
+            </a:endParaRPr>
           </a:p>
           <a:p>
             <a:pPr marL="457200" lvl="1" indent="0">
@@ -6785,14 +6662,6 @@
               <a:buFont typeface="Wingdings" panose="05000000000000000000" pitchFamily="2" charset="2"/>
               <a:buNone/>
             </a:pPr>
-            <a:r>
-              <a:rPr lang="zh-CN" altLang="en-US" noProof="1">
-                <a:solidFill>
-                  <a:srgbClr val="0066FF"/>
-                </a:solidFill>
-              </a:rPr>
-              <a:t>将</a:t>
-            </a:r>
             <a:r>
               <a:rPr lang="zh-CN" altLang="en-US" noProof="1">
                 <a:solidFill>
@@ -6802,15 +6671,29 @@
                   <a:srgbClr val="FFFF00"/>
                 </a:highlight>
               </a:rPr>
-              <a:t>实体、属性和联系 </a:t>
+              <a:t>将</a:t>
+            </a:r>
+            <a:r>
+              <a:rPr lang="en-US" altLang="zh-CN" noProof="1">
+                <a:solidFill>
+                  <a:srgbClr val="FF0000"/>
+                </a:solidFill>
+                <a:highlight>
+                  <a:srgbClr val="FFFF00"/>
+                </a:highlight>
+              </a:rPr>
+              <a:t>E-R</a:t>
             </a:r>
             <a:r>
               <a:rPr lang="zh-CN" altLang="en-US" noProof="1">
                 <a:solidFill>
-                  <a:srgbClr val="0066FF"/>
+                  <a:srgbClr val="FF0000"/>
                 </a:solidFill>
-              </a:rPr>
-              <a:t>转化为 </a:t>
+                <a:highlight>
+                  <a:srgbClr val="FFFF00"/>
+                </a:highlight>
+              </a:rPr>
+              <a:t>图</a:t>
             </a:r>
             <a:r>
               <a:rPr lang="zh-CN" altLang="en-US" noProof="1">
@@ -6821,8 +6704,27 @@
                   <a:srgbClr val="FFFF00"/>
                 </a:highlight>
               </a:rPr>
-              <a:t>关系模式</a:t>
-            </a:r>
+              <a:t>转换为</a:t>
+            </a:r>
+            <a:r>
+              <a:rPr lang="zh-CN" altLang="en-US" noProof="1">
+                <a:solidFill>
+                  <a:srgbClr val="FF0000"/>
+                </a:solidFill>
+                <a:highlight>
+                  <a:srgbClr val="FFFF00"/>
+                </a:highlight>
+              </a:rPr>
+              <a:t>表</a:t>
+            </a:r>
+            <a:endParaRPr lang="zh-CN" altLang="en-US" noProof="1">
+              <a:solidFill>
+                <a:srgbClr val="0066FF"/>
+              </a:solidFill>
+              <a:highlight>
+                <a:srgbClr val="FFFF00"/>
+              </a:highlight>
+            </a:endParaRPr>
           </a:p>
         </p:txBody>
       </p:sp>
@@ -7008,15 +6910,27 @@
             </a:r>
             <a:r>
               <a:rPr lang="en-US" altLang="zh-CN" sz="2000" noProof="1">
+                <a:highlight>
+                  <a:srgbClr val="FFFF00"/>
+                </a:highlight>
                 <a:sym typeface="+mn-ea"/>
               </a:rPr>
               <a:t>1:1</a:t>
+            </a:r>
+            <a:r>
+              <a:rPr lang="zh-CN" altLang="en-US" sz="2000" noProof="1">
+                <a:highlight>
+                  <a:srgbClr val="FFFF00"/>
+                </a:highlight>
+                <a:sym typeface="+mn-ea"/>
+              </a:rPr>
+              <a:t>联系</a:t>
             </a:r>
             <a:r>
               <a:rPr lang="zh-CN" altLang="en-US" sz="2000" noProof="1">
                 <a:sym typeface="+mn-ea"/>
               </a:rPr>
-              <a:t>联系可以转换为一个独立的关系模式，也可以与任意一端对应的关系模式合并。</a:t>
+              <a:t>可以转换为一个独立的关系模式，也可以与任意一端对应的关系模式合并。</a:t>
             </a:r>
             <a:endParaRPr lang="zh-CN" altLang="en-US" sz="2000" noProof="1"/>
           </a:p>
@@ -7048,21 +6962,36 @@
             </a:r>
             <a:r>
               <a:rPr lang="en-US" altLang="zh-CN" sz="2000" noProof="1">
+                <a:highlight>
+                  <a:srgbClr val="FFFF00"/>
+                </a:highlight>
                 <a:sym typeface="+mn-ea"/>
               </a:rPr>
               <a:t>1:</a:t>
             </a:r>
             <a:r>
               <a:rPr lang="en-US" altLang="zh-CN" sz="2000" i="1" noProof="1">
+                <a:highlight>
+                  <a:srgbClr val="FFFF00"/>
+                </a:highlight>
                 <a:sym typeface="+mn-ea"/>
               </a:rPr>
               <a:t>n</a:t>
+            </a:r>
+            <a:r>
+              <a:rPr lang="zh-CN" altLang="en-US" sz="2000" noProof="1">
+                <a:highlight>
+                  <a:srgbClr val="FFFF00"/>
+                </a:highlight>
+                <a:sym typeface="+mn-ea"/>
+              </a:rPr>
+              <a:t>联系</a:t>
             </a:r>
             <a:r>
               <a:rPr lang="zh-CN" altLang="en-US" sz="2000" noProof="1">
                 <a:sym typeface="+mn-ea"/>
               </a:rPr>
-              <a:t>联系可以转换为一个独立的关系模式，也可以与</a:t>
+              <a:t>可以转换为一个独立的关系模式，也可以与</a:t>
             </a:r>
             <a:r>
               <a:rPr lang="en-US" altLang="zh-CN" sz="2000" noProof="1">
@@ -7106,15 +7035,27 @@
             </a:r>
             <a:r>
               <a:rPr lang="en-US" altLang="zh-CN" sz="2000" i="1" dirty="0">
+                <a:highlight>
+                  <a:srgbClr val="FFFF00"/>
+                </a:highlight>
                 <a:sym typeface="+mn-ea"/>
               </a:rPr>
               <a:t>m:n</a:t>
+            </a:r>
+            <a:r>
+              <a:rPr lang="zh-CN" altLang="en-US" sz="2000" dirty="0">
+                <a:highlight>
+                  <a:srgbClr val="FFFF00"/>
+                </a:highlight>
+                <a:sym typeface="+mn-ea"/>
+              </a:rPr>
+              <a:t>联系</a:t>
             </a:r>
             <a:r>
               <a:rPr lang="zh-CN" altLang="en-US" sz="2000" dirty="0">
                 <a:sym typeface="+mn-ea"/>
               </a:rPr>
-              <a:t>联系转换为一个关系模式</a:t>
+              <a:t>转换为一个关系模式</a:t>
             </a:r>
           </a:p>
           <a:p>
@@ -7142,7 +7083,22 @@
               <a:rPr lang="zh-CN" altLang="en-US" sz="2000" noProof="1">
                 <a:sym typeface="+mn-ea"/>
               </a:rPr>
-              <a:t>）三个或三个以上实体间的一个多元联系转换为一个关系模式。</a:t>
+              <a:t>）</a:t>
+            </a:r>
+            <a:r>
+              <a:rPr lang="zh-CN" altLang="en-US" sz="2000" noProof="1">
+                <a:highlight>
+                  <a:srgbClr val="FFFF00"/>
+                </a:highlight>
+                <a:sym typeface="+mn-ea"/>
+              </a:rPr>
+              <a:t>三个或三个以上实体间的一个多元联系</a:t>
+            </a:r>
+            <a:r>
+              <a:rPr lang="zh-CN" altLang="en-US" sz="2000" noProof="1">
+                <a:sym typeface="+mn-ea"/>
+              </a:rPr>
+              <a:t>转换为一个关系模式。</a:t>
             </a:r>
           </a:p>
           <a:p>
@@ -7170,7 +7126,22 @@
               <a:rPr lang="zh-CN" altLang="en-US" sz="2000" dirty="0">
                 <a:sym typeface="+mn-ea"/>
               </a:rPr>
-              <a:t>）具有相同码的关系模式可合并</a:t>
+              <a:t>）</a:t>
+            </a:r>
+            <a:r>
+              <a:rPr lang="zh-CN" altLang="en-US" sz="2000" dirty="0">
+                <a:highlight>
+                  <a:srgbClr val="FFFF00"/>
+                </a:highlight>
+                <a:sym typeface="+mn-ea"/>
+              </a:rPr>
+              <a:t>具有相同码的关系模式</a:t>
+            </a:r>
+            <a:r>
+              <a:rPr lang="zh-CN" altLang="en-US" sz="2000" dirty="0">
+                <a:sym typeface="+mn-ea"/>
+              </a:rPr>
+              <a:t>可合并</a:t>
             </a:r>
             <a:endParaRPr lang="zh-CN" altLang="en-US" sz="2000" noProof="1"/>
           </a:p>
@@ -7924,24 +7895,18 @@
             </a:pPr>
             <a:r>
               <a:rPr lang="zh-CN" altLang="en-US" dirty="0">
-                <a:sym typeface="Arial" panose="020B0604020202020204" pitchFamily="34" charset="0"/>
-              </a:rPr>
-              <a:t>得到初步数据模型后，还应该适当地修改、调整数据模型的结构，以进一步提高数据库应用系统的性能，这就是</a:t>
-            </a:r>
-            <a:r>
-              <a:rPr lang="zh-CN" altLang="en-US" dirty="0">
                 <a:solidFill>
                   <a:srgbClr val="0066FF"/>
                 </a:solidFill>
                 <a:sym typeface="Arial" panose="020B0604020202020204" pitchFamily="34" charset="0"/>
               </a:rPr>
-              <a:t>数据模型的优化</a:t>
+              <a:t>数据模型的优化：</a:t>
             </a:r>
             <a:r>
               <a:rPr lang="zh-CN" altLang="en-US" dirty="0">
                 <a:sym typeface="Arial" panose="020B0604020202020204" pitchFamily="34" charset="0"/>
               </a:rPr>
-              <a:t>。</a:t>
+              <a:t>得到初步数据模型后，还应该适当地修改、调整数据模型的结构，以进一步提高数据库应用系统的性能。</a:t>
             </a:r>
           </a:p>
           <a:p>

--- a/PPT/PPT2020/DB第07章（2）.pptx
+++ b/PPT/PPT2020/DB第07章（2）.pptx
@@ -5,7 +5,7 @@
     <p:sldMasterId id="2147483648" r:id="rId1"/>
   </p:sldMasterIdLst>
   <p:notesMasterIdLst>
-    <p:notesMasterId r:id="rId26"/>
+    <p:notesMasterId r:id="rId24"/>
   </p:notesMasterIdLst>
   <p:sldIdLst>
     <p:sldId id="258" r:id="rId2"/>
@@ -20,18 +20,16 @@
     <p:sldId id="431" r:id="rId11"/>
     <p:sldId id="515" r:id="rId12"/>
     <p:sldId id="445" r:id="rId13"/>
-    <p:sldId id="446" r:id="rId14"/>
-    <p:sldId id="519" r:id="rId15"/>
-    <p:sldId id="520" r:id="rId16"/>
-    <p:sldId id="614" r:id="rId17"/>
-    <p:sldId id="615" r:id="rId18"/>
-    <p:sldId id="521" r:id="rId19"/>
-    <p:sldId id="493" r:id="rId20"/>
-    <p:sldId id="494" r:id="rId21"/>
-    <p:sldId id="496" r:id="rId22"/>
-    <p:sldId id="522" r:id="rId23"/>
-    <p:sldId id="498" r:id="rId24"/>
-    <p:sldId id="509" r:id="rId25"/>
+    <p:sldId id="519" r:id="rId14"/>
+    <p:sldId id="520" r:id="rId15"/>
+    <p:sldId id="614" r:id="rId16"/>
+    <p:sldId id="615" r:id="rId17"/>
+    <p:sldId id="521" r:id="rId18"/>
+    <p:sldId id="493" r:id="rId19"/>
+    <p:sldId id="496" r:id="rId20"/>
+    <p:sldId id="522" r:id="rId21"/>
+    <p:sldId id="498" r:id="rId22"/>
+    <p:sldId id="509" r:id="rId23"/>
   </p:sldIdLst>
   <p:sldSz cx="9144000" cy="6858000" type="screen4x3"/>
   <p:notesSz cx="6834188" cy="9979025"/>
@@ -300,7 +298,7 @@
               <a:pPr>
                 <a:defRPr/>
               </a:pPr>
-              <a:t>2020/4/19</a:t>
+              <a:t>2020/4/20</a:t>
             </a:fld>
             <a:endParaRPr lang="zh-CN" altLang="en-US"/>
           </a:p>
@@ -3604,7 +3602,7 @@
               <a:rPr lang="zh-CN" altLang="en-US" sz="2400" dirty="0">
                 <a:sym typeface="Arial" panose="020B0604020202020204" pitchFamily="34" charset="0"/>
               </a:rPr>
-              <a:t>）使用更符合用户习惯的别名。</a:t>
+              <a:t>）符合用户习惯的别名。</a:t>
             </a:r>
           </a:p>
           <a:p>
@@ -3628,7 +3626,7 @@
               <a:rPr lang="zh-CN" altLang="en-US" sz="2400" dirty="0">
                 <a:sym typeface="Arial" panose="020B0604020202020204" pitchFamily="34" charset="0"/>
               </a:rPr>
-              <a:t>）针对不同用户定义不同视图，保证系统的安全性。</a:t>
+              <a:t>）不同用户定义不同视图，保证安全性。</a:t>
             </a:r>
           </a:p>
           <a:p>
@@ -3942,8 +3940,8 @@
         </p:nvSpPr>
         <p:spPr>
           <a:xfrm>
-            <a:off x="457200" y="1196975"/>
-            <a:ext cx="8229600" cy="4997450"/>
+            <a:off x="457200" y="980728"/>
+            <a:ext cx="8229600" cy="5213697"/>
           </a:xfrm>
           <a:ln>
             <a:miter/>
@@ -3953,15 +3951,21 @@
           <a:bodyPr/>
           <a:lstStyle/>
           <a:p>
-            <a:pPr>
+            <a:pPr marL="0" indent="0">
               <a:lnSpc>
                 <a:spcPct val="150000"/>
               </a:lnSpc>
+              <a:buNone/>
             </a:pPr>
             <a:r>
               <a:rPr lang="zh-CN" altLang="en-US" noProof="1"/>
-              <a:t>什么是数据库的物理设计</a:t>
-            </a:r>
+              <a:t>数据库的物理设计：</a:t>
+            </a:r>
+            <a:r>
+              <a:rPr lang="zh-CN" altLang="en-US" sz="2000" noProof="1"/>
+              <a:t>    </a:t>
+            </a:r>
+            <a:endParaRPr lang="en-US" altLang="zh-CN" sz="2000" noProof="1"/>
           </a:p>
           <a:p>
             <a:pPr marL="457200" lvl="1" indent="0">
@@ -3972,23 +3976,43 @@
               <a:buNone/>
             </a:pPr>
             <a:r>
-              <a:rPr lang="zh-CN" altLang="en-US" sz="2000" noProof="1"/>
+              <a:rPr lang="en-US" altLang="zh-CN" sz="2000" noProof="1"/>
+              <a:t>        </a:t>
+            </a:r>
+            <a:r>
+              <a:rPr lang="zh-CN" altLang="en-US" noProof="1"/>
               <a:t>数据库在物理设备上的</a:t>
             </a:r>
             <a:r>
-              <a:rPr lang="zh-CN" altLang="en-US" sz="2000" noProof="1">
+              <a:rPr lang="zh-CN" altLang="en-US" u="sng" noProof="1">
                 <a:solidFill>
                   <a:srgbClr val="FF0000"/>
                 </a:solidFill>
               </a:rPr>
-              <a:t>存储结构与存取方法</a:t>
-            </a:r>
-            <a:r>
-              <a:rPr lang="zh-CN" altLang="en-US" sz="2000" noProof="1"/>
-              <a:t>称为数据库的物理结构，它</a:t>
-            </a:r>
-            <a:r>
-              <a:rPr lang="zh-CN" altLang="en-US" sz="2000" noProof="1">
+              <a:t>存储结构</a:t>
+            </a:r>
+            <a:r>
+              <a:rPr lang="zh-CN" altLang="en-US" noProof="1">
+                <a:solidFill>
+                  <a:srgbClr val="FF0000"/>
+                </a:solidFill>
+              </a:rPr>
+              <a:t>与</a:t>
+            </a:r>
+            <a:r>
+              <a:rPr lang="zh-CN" altLang="en-US" u="sng" noProof="1">
+                <a:solidFill>
+                  <a:srgbClr val="FF0000"/>
+                </a:solidFill>
+              </a:rPr>
+              <a:t>存取方法</a:t>
+            </a:r>
+            <a:r>
+              <a:rPr lang="zh-CN" altLang="en-US" noProof="1"/>
+              <a:t>称为数据库的物理结构，</a:t>
+            </a:r>
+            <a:r>
+              <a:rPr lang="zh-CN" altLang="en-US" noProof="1">
                 <a:solidFill>
                   <a:srgbClr val="0066FF"/>
                 </a:solidFill>
@@ -3996,7 +4020,7 @@
               <a:t>依赖于选定的</a:t>
             </a:r>
             <a:r>
-              <a:rPr lang="zh-CN" altLang="en-US" sz="2000" noProof="1">
+              <a:rPr lang="zh-CN" altLang="en-US" noProof="1">
                 <a:solidFill>
                   <a:srgbClr val="0066FF"/>
                 </a:solidFill>
@@ -4007,42 +4031,125 @@
               <a:t>数据库管理系统</a:t>
             </a:r>
             <a:r>
+              <a:rPr lang="zh-CN" altLang="en-US" noProof="1"/>
+              <a:t>。</a:t>
+            </a:r>
+            <a:endParaRPr lang="en-US" altLang="zh-CN" noProof="1"/>
+          </a:p>
+          <a:p>
+            <a:pPr marL="457200" lvl="1" indent="0">
+              <a:lnSpc>
+                <a:spcPct val="150000"/>
+              </a:lnSpc>
+              <a:buFont typeface="Wingdings" panose="05000000000000000000" pitchFamily="2" charset="2"/>
+              <a:buNone/>
+            </a:pPr>
+            <a:endParaRPr lang="zh-CN" altLang="en-US" noProof="1"/>
+          </a:p>
+          <a:p>
+            <a:pPr marL="0" indent="0">
+              <a:lnSpc>
+                <a:spcPct val="120000"/>
+              </a:lnSpc>
+              <a:buNone/>
+            </a:pPr>
+            <a:r>
+              <a:rPr lang="zh-CN" altLang="en-US" dirty="0"/>
+              <a:t>数据库物理设计的步骤：</a:t>
+            </a:r>
+          </a:p>
+          <a:p>
+            <a:pPr marL="457200" lvl="1" indent="0">
+              <a:lnSpc>
+                <a:spcPct val="120000"/>
+              </a:lnSpc>
+            </a:pPr>
+            <a:r>
+              <a:rPr lang="zh-CN" altLang="en-US" dirty="0"/>
+              <a:t> 确定数据库的物理结构</a:t>
+            </a:r>
+            <a:endParaRPr lang="en-US" altLang="zh-CN" dirty="0"/>
+          </a:p>
+          <a:p>
+            <a:pPr marL="914400" lvl="2" indent="0">
+              <a:lnSpc>
+                <a:spcPct val="120000"/>
+              </a:lnSpc>
+              <a:buSzPct val="87000"/>
+              <a:buNone/>
+            </a:pPr>
+            <a:r>
+              <a:rPr lang="zh-CN" altLang="en-US" dirty="0"/>
+              <a:t>在关系数据库中主要指</a:t>
+            </a:r>
+            <a:r>
+              <a:rPr lang="zh-CN" altLang="en-US" u="sng" dirty="0"/>
+              <a:t>存取方法</a:t>
+            </a:r>
+            <a:r>
+              <a:rPr lang="zh-CN" altLang="en-US" dirty="0"/>
+              <a:t>和</a:t>
+            </a:r>
+            <a:r>
+              <a:rPr lang="zh-CN" altLang="en-US" u="sng" dirty="0"/>
+              <a:t>存储结构</a:t>
+            </a:r>
+            <a:r>
+              <a:rPr lang="en-US" altLang="zh-CN" dirty="0"/>
+              <a:t>;</a:t>
+            </a:r>
+            <a:endParaRPr lang="zh-CN" altLang="en-US" dirty="0"/>
+          </a:p>
+          <a:p>
+            <a:pPr marL="457200" lvl="1" indent="0">
+              <a:lnSpc>
+                <a:spcPct val="120000"/>
+              </a:lnSpc>
+            </a:pPr>
+            <a:r>
+              <a:rPr lang="zh-CN" altLang="en-US" dirty="0"/>
+              <a:t> 对物理结构进行评价</a:t>
+            </a:r>
+            <a:endParaRPr lang="en-US" altLang="zh-CN" dirty="0"/>
+          </a:p>
+          <a:p>
+            <a:pPr marL="914400" lvl="2" indent="0">
+              <a:lnSpc>
+                <a:spcPct val="120000"/>
+              </a:lnSpc>
+              <a:buSzPct val="87000"/>
+              <a:buNone/>
+            </a:pPr>
+            <a:r>
+              <a:rPr lang="zh-CN" altLang="en-US" dirty="0"/>
+              <a:t>评价的重点是</a:t>
+            </a:r>
+            <a:r>
+              <a:rPr lang="zh-CN" altLang="en-US" u="sng" dirty="0"/>
+              <a:t>时间和空间效率</a:t>
+            </a:r>
+          </a:p>
+          <a:p>
+            <a:pPr lvl="1">
+              <a:lnSpc>
+                <a:spcPct val="150000"/>
+              </a:lnSpc>
+            </a:pPr>
+            <a:endParaRPr lang="zh-CN" altLang="en-US" noProof="1"/>
+          </a:p>
+          <a:p>
+            <a:pPr marL="457200" lvl="1" indent="0">
+              <a:lnSpc>
+                <a:spcPct val="150000"/>
+              </a:lnSpc>
+              <a:buFont typeface="Wingdings" panose="05000000000000000000" pitchFamily="2" charset="2"/>
+              <a:buNone/>
+            </a:pPr>
+            <a:r>
               <a:rPr lang="zh-CN" altLang="en-US" sz="2000" noProof="1"/>
-              <a:t>。</a:t>
-            </a:r>
-          </a:p>
-          <a:p>
-            <a:pPr lvl="1">
-              <a:lnSpc>
-                <a:spcPct val="150000"/>
-              </a:lnSpc>
-            </a:pPr>
+              <a:t>       </a:t>
+            </a:r>
             <a:endParaRPr lang="zh-CN" altLang="en-US" noProof="1"/>
-          </a:p>
-          <a:p>
-            <a:pPr marL="457200" lvl="1" indent="0">
-              <a:lnSpc>
-                <a:spcPct val="150000"/>
-              </a:lnSpc>
-              <a:buFont typeface="Wingdings" panose="05000000000000000000" pitchFamily="2" charset="2"/>
-              <a:buNone/>
-            </a:pPr>
-            <a:r>
-              <a:rPr lang="zh-CN" altLang="en-US" sz="2000" noProof="1"/>
-              <a:t>为一个给定的逻辑数据模型选取一个最适合应用要求的物理结构的过程，就是</a:t>
-            </a:r>
-            <a:r>
-              <a:rPr lang="zh-CN" altLang="en-US" sz="2000" u="sng" noProof="1">
-                <a:solidFill>
-                  <a:srgbClr val="FF0000"/>
-                </a:solidFill>
-              </a:rPr>
-              <a:t>数据库的物理设计</a:t>
-            </a:r>
-            <a:r>
-              <a:rPr lang="zh-CN" altLang="en-US" sz="2000" noProof="1"/>
-              <a:t>。</a:t>
-            </a:r>
           </a:p>
         </p:txBody>
       </p:sp>
@@ -4056,174 +4163,6 @@
 </file>
 
 <file path=ppt/slides/slide13.xml><?xml version="1.0" encoding="utf-8"?>
-<p:sld xmlns:a="http://schemas.openxmlformats.org/drawingml/2006/main" xmlns:r="http://schemas.openxmlformats.org/officeDocument/2006/relationships" xmlns:p="http://schemas.openxmlformats.org/presentationml/2006/main">
-  <p:cSld>
-    <p:spTree>
-      <p:nvGrpSpPr>
-        <p:cNvPr id="1" name=""/>
-        <p:cNvGrpSpPr/>
-        <p:nvPr/>
-      </p:nvGrpSpPr>
-      <p:grpSpPr>
-        <a:xfrm>
-          <a:off x="0" y="0"/>
-          <a:ext cx="0" cy="0"/>
-          <a:chOff x="0" y="0"/>
-          <a:chExt cx="0" cy="0"/>
-        </a:xfrm>
-      </p:grpSpPr>
-      <p:sp>
-        <p:nvSpPr>
-          <p:cNvPr id="15361" name="Rectangle 2">
-            <a:extLst>
-              <a:ext uri="{FF2B5EF4-FFF2-40B4-BE49-F238E27FC236}">
-                <a16:creationId xmlns:a16="http://schemas.microsoft.com/office/drawing/2014/main" id="{62C841C6-CBBE-49B9-85AD-DCAAE7BE9AF5}"/>
-              </a:ext>
-            </a:extLst>
-          </p:cNvPr>
-          <p:cNvSpPr>
-            <a:spLocks noGrp="1" noChangeArrowheads="1"/>
-          </p:cNvSpPr>
-          <p:nvPr>
-            <p:ph type="title" idx="4294967295"/>
-          </p:nvPr>
-        </p:nvSpPr>
-        <p:spPr/>
-        <p:txBody>
-          <a:bodyPr/>
-          <a:lstStyle/>
-          <a:p>
-            <a:r>
-              <a:rPr lang="zh-CN" altLang="en-US" sz="3600"/>
-              <a:t>数据库的物理设计（续）</a:t>
-            </a:r>
-          </a:p>
-        </p:txBody>
-      </p:sp>
-      <p:sp>
-        <p:nvSpPr>
-          <p:cNvPr id="15362" name="Rectangle 3">
-            <a:extLst>
-              <a:ext uri="{FF2B5EF4-FFF2-40B4-BE49-F238E27FC236}">
-                <a16:creationId xmlns:a16="http://schemas.microsoft.com/office/drawing/2014/main" id="{1BC12D33-1DCB-444E-A525-1AD97E4C2B38}"/>
-              </a:ext>
-            </a:extLst>
-          </p:cNvPr>
-          <p:cNvSpPr>
-            <a:spLocks noGrp="1" noChangeArrowheads="1"/>
-          </p:cNvSpPr>
-          <p:nvPr>
-            <p:ph idx="4294967295"/>
-          </p:nvPr>
-        </p:nvSpPr>
-        <p:spPr/>
-        <p:txBody>
-          <a:bodyPr/>
-          <a:lstStyle/>
-          <a:p>
-            <a:pPr>
-              <a:lnSpc>
-                <a:spcPct val="120000"/>
-              </a:lnSpc>
-            </a:pPr>
-            <a:r>
-              <a:rPr lang="zh-CN" altLang="en-US"/>
-              <a:t>数据库物理设计的步骤</a:t>
-            </a:r>
-          </a:p>
-          <a:p>
-            <a:pPr marL="457200" lvl="1" indent="0">
-              <a:lnSpc>
-                <a:spcPct val="120000"/>
-              </a:lnSpc>
-            </a:pPr>
-            <a:r>
-              <a:rPr lang="zh-CN" altLang="en-US"/>
-              <a:t> 确定数据库的物理结构</a:t>
-            </a:r>
-            <a:endParaRPr lang="en-US" altLang="zh-CN"/>
-          </a:p>
-          <a:p>
-            <a:pPr lvl="2">
-              <a:lnSpc>
-                <a:spcPct val="120000"/>
-              </a:lnSpc>
-              <a:buSzPct val="87000"/>
-              <a:buFont typeface="Wingdings" panose="05000000000000000000" pitchFamily="2" charset="2"/>
-              <a:buChar char="l"/>
-            </a:pPr>
-            <a:r>
-              <a:rPr lang="zh-CN" altLang="en-US"/>
-              <a:t>在关系数据库中主要指</a:t>
-            </a:r>
-            <a:r>
-              <a:rPr lang="zh-CN" altLang="en-US" u="sng"/>
-              <a:t>存取方法</a:t>
-            </a:r>
-            <a:r>
-              <a:rPr lang="zh-CN" altLang="en-US"/>
-              <a:t>和</a:t>
-            </a:r>
-            <a:r>
-              <a:rPr lang="zh-CN" altLang="en-US" u="sng"/>
-              <a:t>存储结构</a:t>
-            </a:r>
-            <a:r>
-              <a:rPr lang="en-US" altLang="zh-CN"/>
-              <a:t>;</a:t>
-            </a:r>
-            <a:endParaRPr lang="zh-CN" altLang="en-US"/>
-          </a:p>
-          <a:p>
-            <a:pPr marL="457200" lvl="1" indent="0">
-              <a:lnSpc>
-                <a:spcPct val="120000"/>
-              </a:lnSpc>
-            </a:pPr>
-            <a:r>
-              <a:rPr lang="zh-CN" altLang="en-US"/>
-              <a:t> 对物理结构进行评价</a:t>
-            </a:r>
-            <a:endParaRPr lang="en-US" altLang="zh-CN"/>
-          </a:p>
-          <a:p>
-            <a:pPr lvl="2">
-              <a:lnSpc>
-                <a:spcPct val="120000"/>
-              </a:lnSpc>
-              <a:buSzPct val="87000"/>
-              <a:buFont typeface="Wingdings" panose="05000000000000000000" pitchFamily="2" charset="2"/>
-              <a:buChar char="l"/>
-            </a:pPr>
-            <a:r>
-              <a:rPr lang="zh-CN" altLang="en-US"/>
-              <a:t>评价的重点是</a:t>
-            </a:r>
-            <a:r>
-              <a:rPr lang="zh-CN" altLang="en-US" u="sng"/>
-              <a:t>时间和空间效率</a:t>
-            </a:r>
-          </a:p>
-          <a:p>
-            <a:pPr marL="457200" lvl="1" indent="0">
-              <a:lnSpc>
-                <a:spcPct val="120000"/>
-              </a:lnSpc>
-            </a:pPr>
-            <a:endParaRPr lang="zh-CN" altLang="en-US"/>
-          </a:p>
-        </p:txBody>
-      </p:sp>
-    </p:spTree>
-  </p:cSld>
-  <p:clrMapOvr>
-    <a:masterClrMapping/>
-  </p:clrMapOvr>
-  <p:transition/>
-</p:sld>
-</file>
-
-<file path=ppt/slides/slide14.xml><?xml version="1.0" encoding="utf-8"?>
 <p:sld xmlns:a="http://schemas.openxmlformats.org/drawingml/2006/main" xmlns:r="http://schemas.openxmlformats.org/officeDocument/2006/relationships" xmlns:p="http://schemas.openxmlformats.org/presentationml/2006/main">
   <p:cSld>
     <p:spTree>
@@ -4431,7 +4370,7 @@
 </p:sld>
 </file>
 
-<file path=ppt/slides/slide15.xml><?xml version="1.0" encoding="utf-8"?>
+<file path=ppt/slides/slide14.xml><?xml version="1.0" encoding="utf-8"?>
 <p:sld xmlns:a="http://schemas.openxmlformats.org/drawingml/2006/main" xmlns:r="http://schemas.openxmlformats.org/officeDocument/2006/relationships" xmlns:p="http://schemas.openxmlformats.org/presentationml/2006/main">
   <p:cSld>
     <p:spTree>
@@ -4581,7 +4520,7 @@
 </p:sld>
 </file>
 
-<file path=ppt/slides/slide16.xml><?xml version="1.0" encoding="utf-8"?>
+<file path=ppt/slides/slide15.xml><?xml version="1.0" encoding="utf-8"?>
 <p:sld xmlns:a="http://schemas.openxmlformats.org/drawingml/2006/main" xmlns:r="http://schemas.openxmlformats.org/officeDocument/2006/relationships" xmlns:p="http://schemas.openxmlformats.org/presentationml/2006/main">
   <p:cSld>
     <p:spTree>
@@ -4718,8 +4657,9 @@
             </a:pPr>
             <a:r>
               <a:rPr lang="zh-CN" altLang="en-US" sz="2400" noProof="1"/>
-              <a:t>数据库结构建立好后，就可以向数据库中装载数据了。</a:t>
-            </a:r>
+              <a:t>数据库结构建立完成，开始装载数据</a:t>
+            </a:r>
+            <a:endParaRPr lang="en-US" altLang="zh-CN" sz="2400" noProof="1"/>
           </a:p>
           <a:p>
             <a:pPr>
@@ -4727,30 +4667,19 @@
                 <a:spcPct val="140000"/>
               </a:lnSpc>
             </a:pPr>
+            <a:endParaRPr lang="zh-CN" altLang="en-US" sz="2400" noProof="1"/>
+          </a:p>
+          <a:p>
+            <a:pPr marL="0" indent="0">
+              <a:lnSpc>
+                <a:spcPct val="140000"/>
+              </a:lnSpc>
+              <a:buFont typeface="Wingdings" panose="05000000000000000000" pitchFamily="2" charset="2"/>
+              <a:buNone/>
+            </a:pPr>
             <a:r>
               <a:rPr lang="zh-CN" altLang="en-US" sz="2400" noProof="1"/>
-              <a:t>组织数据入库是数据库实施阶段最主要的工作。</a:t>
-            </a:r>
-          </a:p>
-          <a:p>
-            <a:pPr>
-              <a:lnSpc>
-                <a:spcPct val="140000"/>
-              </a:lnSpc>
-            </a:pPr>
-            <a:endParaRPr lang="zh-CN" altLang="en-US" sz="2400" noProof="1"/>
-          </a:p>
-          <a:p>
-            <a:pPr marL="0" indent="0">
-              <a:lnSpc>
-                <a:spcPct val="140000"/>
-              </a:lnSpc>
-              <a:buFont typeface="Wingdings" panose="05000000000000000000" pitchFamily="2" charset="2"/>
-              <a:buNone/>
-            </a:pPr>
-            <a:r>
-              <a:rPr lang="zh-CN" altLang="en-US" sz="2400" noProof="1"/>
-              <a:t>数据装载方法：</a:t>
+              <a:t>     数据装载方法：</a:t>
             </a:r>
           </a:p>
           <a:p>
@@ -4785,7 +4714,7 @@
 </p:sld>
 </file>
 
-<file path=ppt/slides/slide17.xml><?xml version="1.0" encoding="utf-8"?>
+<file path=ppt/slides/slide16.xml><?xml version="1.0" encoding="utf-8"?>
 <p:sld xmlns:a="http://schemas.openxmlformats.org/drawingml/2006/main" xmlns:r="http://schemas.openxmlformats.org/officeDocument/2006/relationships" xmlns:p="http://schemas.openxmlformats.org/presentationml/2006/main">
   <p:cSld>
     <p:spTree>
@@ -4926,8 +4855,28 @@
               </a:lnSpc>
             </a:pPr>
             <a:r>
+              <a:rPr lang="zh-CN" altLang="en-US" sz="2400" noProof="1">
+                <a:highlight>
+                  <a:srgbClr val="FFFF00"/>
+                </a:highlight>
+              </a:rPr>
+              <a:t>应用程序的设计</a:t>
+            </a:r>
+            <a:r>
               <a:rPr lang="zh-CN" altLang="en-US" sz="2400" noProof="1"/>
-              <a:t>数据库应用程序的设计应该与数据设计并行进行</a:t>
+              <a:t>与</a:t>
+            </a:r>
+            <a:r>
+              <a:rPr lang="zh-CN" altLang="en-US" sz="2400" noProof="1">
+                <a:highlight>
+                  <a:srgbClr val="FFFF00"/>
+                </a:highlight>
+              </a:rPr>
+              <a:t>数据设计</a:t>
+            </a:r>
+            <a:r>
+              <a:rPr lang="zh-CN" altLang="en-US" sz="2400" noProof="1"/>
+              <a:t>并行进行</a:t>
             </a:r>
           </a:p>
           <a:p>
@@ -4973,7 +4922,7 @@
 </p:sld>
 </file>
 
-<file path=ppt/slides/slide18.xml><?xml version="1.0" encoding="utf-8"?>
+<file path=ppt/slides/slide17.xml><?xml version="1.0" encoding="utf-8"?>
 <p:sld xmlns:a="http://schemas.openxmlformats.org/drawingml/2006/main" xmlns:r="http://schemas.openxmlformats.org/officeDocument/2006/relationships" xmlns:p="http://schemas.openxmlformats.org/presentationml/2006/main">
   <p:cSld>
     <p:spTree>
@@ -5123,7 +5072,7 @@
 </p:sld>
 </file>
 
-<file path=ppt/slides/slide19.xml><?xml version="1.0" encoding="utf-8"?>
+<file path=ppt/slides/slide18.xml><?xml version="1.0" encoding="utf-8"?>
 <p:sld xmlns:a="http://schemas.openxmlformats.org/drawingml/2006/main" xmlns:r="http://schemas.openxmlformats.org/officeDocument/2006/relationships" xmlns:p="http://schemas.openxmlformats.org/presentationml/2006/main">
   <p:cSld>
     <p:spTree>
@@ -5204,10 +5153,6 @@
               </a:lnSpc>
             </a:pPr>
             <a:r>
-              <a:rPr lang="zh-CN" altLang="en-US" dirty="0"/>
-              <a:t>应用程序调试完成，并且已有一小部分数据入库后，就可以开始对数据库系统进行联合调试，也称</a:t>
-            </a:r>
-            <a:r>
               <a:rPr lang="zh-CN" altLang="en-US" dirty="0">
                 <a:solidFill>
                   <a:srgbClr val="FF0000"/>
@@ -5224,12 +5169,21 @@
                   <a:srgbClr val="FFFF00"/>
                 </a:highlight>
               </a:rPr>
-              <a:t>试运行</a:t>
+              <a:t>试运行：</a:t>
             </a:r>
             <a:r>
               <a:rPr lang="zh-CN" altLang="en-US" dirty="0"/>
-              <a:t>。</a:t>
-            </a:r>
+              <a:t>应用程序调试完成，部分数据入库后，对数据库系统进行联合调试。</a:t>
+            </a:r>
+            <a:endParaRPr lang="en-US" altLang="zh-CN" dirty="0"/>
+          </a:p>
+          <a:p>
+            <a:pPr>
+              <a:lnSpc>
+                <a:spcPct val="120000"/>
+              </a:lnSpc>
+            </a:pPr>
+            <a:endParaRPr lang="zh-CN" altLang="en-US" dirty="0"/>
           </a:p>
           <a:p>
             <a:pPr>
@@ -5258,7 +5212,20 @@
             </a:r>
             <a:r>
               <a:rPr lang="zh-CN" altLang="en-US" dirty="0"/>
-              <a:t>：实际运行应用程序，执行对数据库的各种操作，测试应用程序的各种功能。</a:t>
+              <a:t>：</a:t>
+            </a:r>
+            <a:endParaRPr lang="en-US" altLang="zh-CN" dirty="0"/>
+          </a:p>
+          <a:p>
+            <a:pPr marL="457200" lvl="1" indent="0">
+              <a:lnSpc>
+                <a:spcPct val="120000"/>
+              </a:lnSpc>
+              <a:buNone/>
+            </a:pPr>
+            <a:r>
+              <a:rPr lang="zh-CN" altLang="en-US" sz="1800" dirty="0"/>
+              <a:t>实际运行程序，执行对数据库的各种操作，测试应用程序的各种功能。</a:t>
             </a:r>
           </a:p>
           <a:p>
@@ -5277,7 +5244,160 @@
             </a:r>
             <a:r>
               <a:rPr lang="zh-CN" altLang="en-US" dirty="0"/>
-              <a:t>：测量系统的性能指标，分析是否符合设计目标。</a:t>
+              <a:t>：</a:t>
+            </a:r>
+            <a:endParaRPr lang="en-US" altLang="zh-CN" dirty="0"/>
+          </a:p>
+          <a:p>
+            <a:pPr marL="457200" lvl="1" indent="0">
+              <a:lnSpc>
+                <a:spcPct val="120000"/>
+              </a:lnSpc>
+              <a:buNone/>
+            </a:pPr>
+            <a:r>
+              <a:rPr lang="zh-CN" altLang="en-US" sz="1800" dirty="0"/>
+              <a:t>测量系统的性能指标，分析是否符合设计目标。</a:t>
+            </a:r>
+          </a:p>
+        </p:txBody>
+      </p:sp>
+    </p:spTree>
+  </p:cSld>
+  <p:clrMapOvr>
+    <a:masterClrMapping/>
+  </p:clrMapOvr>
+  <p:transition/>
+</p:sld>
+</file>
+
+<file path=ppt/slides/slide19.xml><?xml version="1.0" encoding="utf-8"?>
+<p:sld xmlns:a="http://schemas.openxmlformats.org/drawingml/2006/main" xmlns:r="http://schemas.openxmlformats.org/officeDocument/2006/relationships" xmlns:p="http://schemas.openxmlformats.org/presentationml/2006/main">
+  <p:cSld>
+    <p:spTree>
+      <p:nvGrpSpPr>
+        <p:cNvPr id="1" name=""/>
+        <p:cNvGrpSpPr/>
+        <p:nvPr/>
+      </p:nvGrpSpPr>
+      <p:grpSpPr>
+        <a:xfrm>
+          <a:off x="0" y="0"/>
+          <a:ext cx="0" cy="0"/>
+          <a:chOff x="0" y="0"/>
+          <a:chExt cx="0" cy="0"/>
+        </a:xfrm>
+      </p:grpSpPr>
+      <p:sp>
+        <p:nvSpPr>
+          <p:cNvPr id="24577" name="Rectangle 2">
+            <a:extLst>
+              <a:ext uri="{FF2B5EF4-FFF2-40B4-BE49-F238E27FC236}">
+                <a16:creationId xmlns:a16="http://schemas.microsoft.com/office/drawing/2014/main" id="{27EF8B69-0825-40D2-95B3-56418CD39A47}"/>
+              </a:ext>
+            </a:extLst>
+          </p:cNvPr>
+          <p:cNvSpPr>
+            <a:spLocks noGrp="1" noChangeArrowheads="1"/>
+          </p:cNvSpPr>
+          <p:nvPr>
+            <p:ph type="title" idx="4294967295"/>
+          </p:nvPr>
+        </p:nvSpPr>
+        <p:spPr/>
+        <p:txBody>
+          <a:bodyPr/>
+          <a:lstStyle/>
+          <a:p>
+            <a:r>
+              <a:rPr lang="zh-CN" altLang="en-US" sz="3600"/>
+              <a:t>数据库的试运行（续）</a:t>
+            </a:r>
+          </a:p>
+        </p:txBody>
+      </p:sp>
+      <p:sp>
+        <p:nvSpPr>
+          <p:cNvPr id="24578" name="Rectangle 3">
+            <a:extLst>
+              <a:ext uri="{FF2B5EF4-FFF2-40B4-BE49-F238E27FC236}">
+                <a16:creationId xmlns:a16="http://schemas.microsoft.com/office/drawing/2014/main" id="{49737EA4-35A2-415C-BBBC-60FE18B874C4}"/>
+              </a:ext>
+            </a:extLst>
+          </p:cNvPr>
+          <p:cNvSpPr>
+            <a:spLocks noGrp="1" noChangeArrowheads="1"/>
+          </p:cNvSpPr>
+          <p:nvPr>
+            <p:ph idx="4294967295"/>
+          </p:nvPr>
+        </p:nvSpPr>
+        <p:spPr>
+          <a:xfrm>
+            <a:off x="457200" y="1098550"/>
+            <a:ext cx="8362950" cy="5095875"/>
+          </a:xfrm>
+        </p:spPr>
+        <p:txBody>
+          <a:bodyPr/>
+          <a:lstStyle/>
+          <a:p>
+            <a:pPr>
+              <a:lnSpc>
+                <a:spcPct val="120000"/>
+              </a:lnSpc>
+            </a:pPr>
+            <a:r>
+              <a:rPr lang="zh-CN" altLang="en-US" dirty="0"/>
+              <a:t>数据库的转储和恢复</a:t>
+            </a:r>
+            <a:endParaRPr lang="en-US" altLang="zh-CN" dirty="0"/>
+          </a:p>
+          <a:p>
+            <a:pPr>
+              <a:lnSpc>
+                <a:spcPct val="120000"/>
+              </a:lnSpc>
+            </a:pPr>
+            <a:endParaRPr lang="zh-CN" altLang="en-US" dirty="0"/>
+          </a:p>
+          <a:p>
+            <a:pPr marL="914400" lvl="1" indent="-457200">
+              <a:lnSpc>
+                <a:spcPct val="120000"/>
+              </a:lnSpc>
+              <a:buFont typeface="Wingdings" panose="05000000000000000000" pitchFamily="2" charset="2"/>
+              <a:buAutoNum type="arabicPeriod"/>
+            </a:pPr>
+            <a:r>
+              <a:rPr lang="zh-CN" altLang="en-US" dirty="0"/>
+              <a:t>试运行阶段，系统不稳，硬、软件故障随时可能发生</a:t>
+            </a:r>
+          </a:p>
+          <a:p>
+            <a:pPr marL="914400" lvl="1" indent="-457200">
+              <a:lnSpc>
+                <a:spcPct val="120000"/>
+              </a:lnSpc>
+              <a:buFont typeface="Wingdings" panose="05000000000000000000" pitchFamily="2" charset="2"/>
+              <a:buAutoNum type="arabicPeriod"/>
+            </a:pPr>
+            <a:r>
+              <a:rPr lang="zh-CN" altLang="en-US" dirty="0"/>
+              <a:t>系统的操作人员对新系统不熟悉，误操作也不可避免</a:t>
+            </a:r>
+          </a:p>
+          <a:p>
+            <a:pPr marL="914400" lvl="1" indent="-457200">
+              <a:lnSpc>
+                <a:spcPct val="120000"/>
+              </a:lnSpc>
+              <a:buFont typeface="Wingdings" panose="05000000000000000000" pitchFamily="2" charset="2"/>
+              <a:buAutoNum type="arabicPeriod"/>
+            </a:pPr>
+            <a:r>
+              <a:rPr lang="zh-CN" altLang="en-US" dirty="0"/>
+              <a:t>做好数据库的转储和恢复，尽量减少对数据库的破坏</a:t>
             </a:r>
           </a:p>
         </p:txBody>
@@ -5370,11 +5490,11 @@
               <a:buNone/>
             </a:pPr>
             <a:r>
-              <a:rPr lang="en-US" altLang="zh-CN"/>
+              <a:rPr lang="en-US" altLang="zh-CN" dirty="0"/>
               <a:t>7.1  </a:t>
             </a:r>
             <a:r>
-              <a:rPr lang="zh-CN" altLang="en-US"/>
+              <a:rPr lang="zh-CN" altLang="en-US" dirty="0"/>
               <a:t>数据库设计概述</a:t>
             </a:r>
           </a:p>
@@ -5387,11 +5507,11 @@
               <a:buNone/>
             </a:pPr>
             <a:r>
-              <a:rPr lang="en-US" altLang="zh-CN"/>
+              <a:rPr lang="en-US" altLang="zh-CN" dirty="0"/>
               <a:t>7.2  </a:t>
             </a:r>
             <a:r>
-              <a:rPr lang="zh-CN" altLang="en-US"/>
+              <a:rPr lang="zh-CN" altLang="en-US" dirty="0"/>
               <a:t>需求分析</a:t>
             </a:r>
           </a:p>
@@ -5404,12 +5524,20 @@
               <a:buNone/>
             </a:pPr>
             <a:r>
-              <a:rPr lang="en-US" altLang="zh-CN"/>
+              <a:rPr lang="en-US" altLang="zh-CN" dirty="0"/>
               <a:t>7.3  </a:t>
             </a:r>
             <a:r>
-              <a:rPr lang="zh-CN" altLang="en-US"/>
-              <a:t>概念结构设计</a:t>
+              <a:rPr lang="zh-CN" altLang="en-US" dirty="0"/>
+              <a:t>概念结构设计 </a:t>
+            </a:r>
+            <a:r>
+              <a:rPr lang="en-US" altLang="zh-CN" dirty="0"/>
+              <a:t>- ER</a:t>
+            </a:r>
+            <a:r>
+              <a:rPr lang="zh-CN" altLang="en-US" dirty="0"/>
+              <a:t>图</a:t>
             </a:r>
           </a:p>
           <a:p>
@@ -5421,7 +5549,7 @@
               <a:buNone/>
             </a:pPr>
             <a:r>
-              <a:rPr lang="en-US" altLang="zh-CN">
+              <a:rPr lang="en-US" altLang="zh-CN" dirty="0">
                 <a:solidFill>
                   <a:srgbClr val="0066FF"/>
                 </a:solidFill>
@@ -5429,7 +5557,7 @@
               <a:t>7.4  </a:t>
             </a:r>
             <a:r>
-              <a:rPr lang="zh-CN" altLang="en-US">
+              <a:rPr lang="zh-CN" altLang="en-US" dirty="0">
                 <a:solidFill>
                   <a:srgbClr val="0066FF"/>
                 </a:solidFill>
@@ -5446,11 +5574,11 @@
               <a:buNone/>
             </a:pPr>
             <a:r>
-              <a:rPr lang="en-US" altLang="zh-CN"/>
+              <a:rPr lang="en-US" altLang="zh-CN" dirty="0"/>
               <a:t>7.5  </a:t>
             </a:r>
             <a:r>
-              <a:rPr lang="zh-CN" altLang="en-US"/>
+              <a:rPr lang="zh-CN" altLang="en-US" dirty="0"/>
               <a:t>物理结构设计</a:t>
             </a:r>
           </a:p>
@@ -5463,11 +5591,11 @@
               <a:buNone/>
             </a:pPr>
             <a:r>
-              <a:rPr lang="en-US" altLang="zh-CN"/>
+              <a:rPr lang="en-US" altLang="zh-CN" dirty="0"/>
               <a:t>7.6  </a:t>
             </a:r>
             <a:r>
-              <a:rPr lang="zh-CN" altLang="en-US"/>
+              <a:rPr lang="zh-CN" altLang="en-US" dirty="0"/>
               <a:t>数据库的实施和维护</a:t>
             </a:r>
           </a:p>
@@ -5480,11 +5608,11 @@
               <a:buNone/>
             </a:pPr>
             <a:r>
-              <a:rPr lang="en-US" altLang="zh-CN"/>
+              <a:rPr lang="en-US" altLang="zh-CN" dirty="0"/>
               <a:t>7.7  </a:t>
             </a:r>
             <a:r>
-              <a:rPr lang="zh-CN" altLang="en-US"/>
+              <a:rPr lang="zh-CN" altLang="en-US" dirty="0"/>
               <a:t>小结</a:t>
             </a:r>
           </a:p>
@@ -5500,260 +5628,6 @@
 </file>
 
 <file path=ppt/slides/slide20.xml><?xml version="1.0" encoding="utf-8"?>
-<p:sld xmlns:a="http://schemas.openxmlformats.org/drawingml/2006/main" xmlns:r="http://schemas.openxmlformats.org/officeDocument/2006/relationships" xmlns:p="http://schemas.openxmlformats.org/presentationml/2006/main">
-  <p:cSld>
-    <p:spTree>
-      <p:nvGrpSpPr>
-        <p:cNvPr id="1" name=""/>
-        <p:cNvGrpSpPr/>
-        <p:nvPr/>
-      </p:nvGrpSpPr>
-      <p:grpSpPr>
-        <a:xfrm>
-          <a:off x="0" y="0"/>
-          <a:ext cx="0" cy="0"/>
-          <a:chOff x="0" y="0"/>
-          <a:chExt cx="0" cy="0"/>
-        </a:xfrm>
-      </p:grpSpPr>
-      <p:sp>
-        <p:nvSpPr>
-          <p:cNvPr id="22529" name="Rectangle 2">
-            <a:extLst>
-              <a:ext uri="{FF2B5EF4-FFF2-40B4-BE49-F238E27FC236}">
-                <a16:creationId xmlns:a16="http://schemas.microsoft.com/office/drawing/2014/main" id="{DE1D409F-3A4E-4921-B9D2-87FFAB130C98}"/>
-              </a:ext>
-            </a:extLst>
-          </p:cNvPr>
-          <p:cNvSpPr>
-            <a:spLocks noGrp="1" noChangeArrowheads="1"/>
-          </p:cNvSpPr>
-          <p:nvPr>
-            <p:ph type="title" idx="4294967295"/>
-          </p:nvPr>
-        </p:nvSpPr>
-        <p:spPr/>
-        <p:txBody>
-          <a:bodyPr/>
-          <a:lstStyle/>
-          <a:p>
-            <a:r>
-              <a:rPr lang="zh-CN" altLang="en-US" sz="3600"/>
-              <a:t>数据库的试运行（续）</a:t>
-            </a:r>
-          </a:p>
-        </p:txBody>
-      </p:sp>
-      <p:sp>
-        <p:nvSpPr>
-          <p:cNvPr id="22530" name="Rectangle 3">
-            <a:extLst>
-              <a:ext uri="{FF2B5EF4-FFF2-40B4-BE49-F238E27FC236}">
-                <a16:creationId xmlns:a16="http://schemas.microsoft.com/office/drawing/2014/main" id="{DD18CBF3-6256-4086-893F-95E696BBA022}"/>
-              </a:ext>
-            </a:extLst>
-          </p:cNvPr>
-          <p:cNvSpPr>
-            <a:spLocks noGrp="1" noChangeArrowheads="1"/>
-          </p:cNvSpPr>
-          <p:nvPr>
-            <p:ph idx="4294967295"/>
-          </p:nvPr>
-        </p:nvSpPr>
-        <p:spPr>
-          <a:xfrm>
-            <a:off x="385763" y="1098550"/>
-            <a:ext cx="8507412" cy="5097463"/>
-          </a:xfrm>
-        </p:spPr>
-        <p:txBody>
-          <a:bodyPr/>
-          <a:lstStyle/>
-          <a:p>
-            <a:pPr>
-              <a:lnSpc>
-                <a:spcPct val="120000"/>
-              </a:lnSpc>
-            </a:pPr>
-            <a:r>
-              <a:rPr lang="zh-CN" altLang="en-US" dirty="0"/>
-              <a:t>数据库性能指标的测量</a:t>
-            </a:r>
-            <a:endParaRPr lang="zh-CN" altLang="en-US" sz="3200" dirty="0"/>
-          </a:p>
-          <a:p>
-            <a:pPr lvl="1">
-              <a:lnSpc>
-                <a:spcPct val="120000"/>
-              </a:lnSpc>
-            </a:pPr>
-            <a:r>
-              <a:rPr lang="zh-CN" altLang="en-US" dirty="0"/>
-              <a:t>数据库试运行要实际测量系统的各种性能指标。</a:t>
-            </a:r>
-          </a:p>
-          <a:p>
-            <a:pPr lvl="1">
-              <a:lnSpc>
-                <a:spcPct val="120000"/>
-              </a:lnSpc>
-            </a:pPr>
-            <a:endParaRPr lang="zh-CN" altLang="en-US" dirty="0"/>
-          </a:p>
-          <a:p>
-            <a:pPr lvl="1">
-              <a:lnSpc>
-                <a:spcPct val="120000"/>
-              </a:lnSpc>
-            </a:pPr>
-            <a:r>
-              <a:rPr lang="zh-CN" altLang="en-US" dirty="0"/>
-              <a:t>如果结果不符合设计目标，则需要返回物理设计阶段，调整物理结构，修改参数；有时甚至需要返回逻辑设计阶段，调整逻辑结构。</a:t>
-            </a:r>
-          </a:p>
-        </p:txBody>
-      </p:sp>
-    </p:spTree>
-  </p:cSld>
-  <p:clrMapOvr>
-    <a:masterClrMapping/>
-  </p:clrMapOvr>
-  <p:transition/>
-</p:sld>
-</file>
-
-<file path=ppt/slides/slide21.xml><?xml version="1.0" encoding="utf-8"?>
-<p:sld xmlns:a="http://schemas.openxmlformats.org/drawingml/2006/main" xmlns:r="http://schemas.openxmlformats.org/officeDocument/2006/relationships" xmlns:p="http://schemas.openxmlformats.org/presentationml/2006/main">
-  <p:cSld>
-    <p:spTree>
-      <p:nvGrpSpPr>
-        <p:cNvPr id="1" name=""/>
-        <p:cNvGrpSpPr/>
-        <p:nvPr/>
-      </p:nvGrpSpPr>
-      <p:grpSpPr>
-        <a:xfrm>
-          <a:off x="0" y="0"/>
-          <a:ext cx="0" cy="0"/>
-          <a:chOff x="0" y="0"/>
-          <a:chExt cx="0" cy="0"/>
-        </a:xfrm>
-      </p:grpSpPr>
-      <p:sp>
-        <p:nvSpPr>
-          <p:cNvPr id="24577" name="Rectangle 2">
-            <a:extLst>
-              <a:ext uri="{FF2B5EF4-FFF2-40B4-BE49-F238E27FC236}">
-                <a16:creationId xmlns:a16="http://schemas.microsoft.com/office/drawing/2014/main" id="{27EF8B69-0825-40D2-95B3-56418CD39A47}"/>
-              </a:ext>
-            </a:extLst>
-          </p:cNvPr>
-          <p:cNvSpPr>
-            <a:spLocks noGrp="1" noChangeArrowheads="1"/>
-          </p:cNvSpPr>
-          <p:nvPr>
-            <p:ph type="title" idx="4294967295"/>
-          </p:nvPr>
-        </p:nvSpPr>
-        <p:spPr/>
-        <p:txBody>
-          <a:bodyPr/>
-          <a:lstStyle/>
-          <a:p>
-            <a:r>
-              <a:rPr lang="zh-CN" altLang="en-US" sz="3600"/>
-              <a:t>数据库的试运行（续）</a:t>
-            </a:r>
-          </a:p>
-        </p:txBody>
-      </p:sp>
-      <p:sp>
-        <p:nvSpPr>
-          <p:cNvPr id="24578" name="Rectangle 3">
-            <a:extLst>
-              <a:ext uri="{FF2B5EF4-FFF2-40B4-BE49-F238E27FC236}">
-                <a16:creationId xmlns:a16="http://schemas.microsoft.com/office/drawing/2014/main" id="{49737EA4-35A2-415C-BBBC-60FE18B874C4}"/>
-              </a:ext>
-            </a:extLst>
-          </p:cNvPr>
-          <p:cNvSpPr>
-            <a:spLocks noGrp="1" noChangeArrowheads="1"/>
-          </p:cNvSpPr>
-          <p:nvPr>
-            <p:ph idx="4294967295"/>
-          </p:nvPr>
-        </p:nvSpPr>
-        <p:spPr>
-          <a:xfrm>
-            <a:off x="457200" y="1098550"/>
-            <a:ext cx="8362950" cy="5095875"/>
-          </a:xfrm>
-        </p:spPr>
-        <p:txBody>
-          <a:bodyPr/>
-          <a:lstStyle/>
-          <a:p>
-            <a:pPr>
-              <a:lnSpc>
-                <a:spcPct val="120000"/>
-              </a:lnSpc>
-            </a:pPr>
-            <a:r>
-              <a:rPr lang="zh-CN" altLang="en-US"/>
-              <a:t>数据库的转储和恢复</a:t>
-            </a:r>
-          </a:p>
-          <a:p>
-            <a:pPr marL="914400" lvl="1" indent="-457200">
-              <a:lnSpc>
-                <a:spcPct val="120000"/>
-              </a:lnSpc>
-              <a:buFont typeface="Wingdings" panose="05000000000000000000" pitchFamily="2" charset="2"/>
-              <a:buAutoNum type="arabicPeriod"/>
-            </a:pPr>
-            <a:r>
-              <a:rPr lang="zh-CN" altLang="en-US"/>
-              <a:t>在数据库试运行阶段，系统还不稳定，硬、软件故障随时都可能发生</a:t>
-            </a:r>
-          </a:p>
-          <a:p>
-            <a:pPr marL="914400" lvl="1" indent="-457200">
-              <a:lnSpc>
-                <a:spcPct val="120000"/>
-              </a:lnSpc>
-              <a:buFont typeface="Wingdings" panose="05000000000000000000" pitchFamily="2" charset="2"/>
-              <a:buAutoNum type="arabicPeriod"/>
-            </a:pPr>
-            <a:r>
-              <a:rPr lang="zh-CN" altLang="en-US"/>
-              <a:t>系统的操作人员对新系统还不熟悉，误操作也不可避免</a:t>
-            </a:r>
-          </a:p>
-          <a:p>
-            <a:pPr marL="914400" lvl="1" indent="-457200">
-              <a:lnSpc>
-                <a:spcPct val="120000"/>
-              </a:lnSpc>
-              <a:buFont typeface="Wingdings" panose="05000000000000000000" pitchFamily="2" charset="2"/>
-              <a:buAutoNum type="arabicPeriod"/>
-            </a:pPr>
-            <a:r>
-              <a:rPr lang="zh-CN" altLang="en-US"/>
-              <a:t>因此必须做好数据库的转储和恢复工作，尽量减少对数据库的破坏</a:t>
-            </a:r>
-          </a:p>
-        </p:txBody>
-      </p:sp>
-    </p:spTree>
-  </p:cSld>
-  <p:clrMapOvr>
-    <a:masterClrMapping/>
-  </p:clrMapOvr>
-  <p:transition/>
-</p:sld>
-</file>
-
-<file path=ppt/slides/slide22.xml><?xml version="1.0" encoding="utf-8"?>
 <p:sld xmlns:a="http://schemas.openxmlformats.org/drawingml/2006/main" xmlns:r="http://schemas.openxmlformats.org/officeDocument/2006/relationships" xmlns:p="http://schemas.openxmlformats.org/presentationml/2006/main">
   <p:cSld>
     <p:spTree>
@@ -5956,7 +5830,7 @@
 </p:sld>
 </file>
 
-<file path=ppt/slides/slide23.xml><?xml version="1.0" encoding="utf-8"?>
+<file path=ppt/slides/slide21.xml><?xml version="1.0" encoding="utf-8"?>
 <p:sld xmlns:a="http://schemas.openxmlformats.org/drawingml/2006/main" xmlns:r="http://schemas.openxmlformats.org/officeDocument/2006/relationships" xmlns:p="http://schemas.openxmlformats.org/presentationml/2006/main">
   <p:cSld>
     <p:spTree>
@@ -6040,10 +5914,10 @@
               </a:spcBef>
             </a:pPr>
             <a:r>
-              <a:rPr lang="zh-CN" altLang="en-US"/>
+              <a:rPr lang="zh-CN" altLang="en-US" dirty="0"/>
               <a:t>在数据库运行阶段，对数据库经常性的维护工作主要是由数据库管理员完成的，包括：</a:t>
             </a:r>
-            <a:endParaRPr lang="zh-CN" altLang="en-US" sz="3200"/>
+            <a:endParaRPr lang="zh-CN" altLang="en-US" sz="3200" dirty="0"/>
           </a:p>
           <a:p>
             <a:pPr lvl="1">
@@ -6057,12 +5931,20 @@
               <a:buNone/>
             </a:pPr>
             <a:r>
-              <a:rPr lang="en-US" altLang="zh-CN"/>
+              <a:rPr lang="en-US" altLang="zh-CN" dirty="0"/>
               <a:t>1. </a:t>
             </a:r>
             <a:r>
-              <a:rPr lang="zh-CN" altLang="en-US"/>
-              <a:t>数据库的转储和恢复</a:t>
+              <a:rPr lang="zh-CN" altLang="en-US" dirty="0"/>
+              <a:t>数据库</a:t>
+            </a:r>
+            <a:r>
+              <a:rPr lang="zh-CN" altLang="en-US" dirty="0">
+                <a:highlight>
+                  <a:srgbClr val="FFFF00"/>
+                </a:highlight>
+              </a:rPr>
+              <a:t>转储和恢复</a:t>
             </a:r>
           </a:p>
           <a:p>
@@ -6077,16 +5959,25 @@
               <a:buNone/>
             </a:pPr>
             <a:r>
-              <a:rPr lang="en-US" altLang="zh-CN">
+              <a:rPr lang="en-US" altLang="zh-CN" dirty="0">
                 <a:sym typeface="Arial" panose="020B0604020202020204" pitchFamily="34" charset="0"/>
               </a:rPr>
               <a:t>2. </a:t>
             </a:r>
             <a:r>
-              <a:rPr lang="zh-CN" altLang="en-US">
+              <a:rPr lang="zh-CN" altLang="en-US" dirty="0">
                 <a:sym typeface="Arial" panose="020B0604020202020204" pitchFamily="34" charset="0"/>
               </a:rPr>
-              <a:t>数据库的安全性、完整性控制</a:t>
+              <a:t>数据库</a:t>
+            </a:r>
+            <a:r>
+              <a:rPr lang="zh-CN" altLang="en-US" dirty="0">
+                <a:highlight>
+                  <a:srgbClr val="FFFF00"/>
+                </a:highlight>
+                <a:sym typeface="Arial" panose="020B0604020202020204" pitchFamily="34" charset="0"/>
+              </a:rPr>
+              <a:t>安全性、完整性控制</a:t>
             </a:r>
           </a:p>
           <a:p>
@@ -6101,16 +5992,25 @@
               <a:buNone/>
             </a:pPr>
             <a:r>
-              <a:rPr lang="en-US" altLang="zh-CN">
+              <a:rPr lang="en-US" altLang="zh-CN" dirty="0">
                 <a:sym typeface="Arial" panose="020B0604020202020204" pitchFamily="34" charset="0"/>
               </a:rPr>
               <a:t>3. </a:t>
             </a:r>
             <a:r>
-              <a:rPr lang="zh-CN" altLang="en-US">
+              <a:rPr lang="zh-CN" altLang="en-US" dirty="0">
                 <a:sym typeface="Arial" panose="020B0604020202020204" pitchFamily="34" charset="0"/>
               </a:rPr>
-              <a:t>数据库性能的监督、分析和改进</a:t>
+              <a:t>数据库</a:t>
+            </a:r>
+            <a:r>
+              <a:rPr lang="zh-CN" altLang="en-US" dirty="0">
+                <a:highlight>
+                  <a:srgbClr val="FFFF00"/>
+                </a:highlight>
+                <a:sym typeface="Arial" panose="020B0604020202020204" pitchFamily="34" charset="0"/>
+              </a:rPr>
+              <a:t>性能监督、分析和改进</a:t>
             </a:r>
           </a:p>
           <a:p>
@@ -6125,18 +6025,31 @@
               <a:buNone/>
             </a:pPr>
             <a:r>
-              <a:rPr lang="en-US" altLang="zh-CN">
+              <a:rPr lang="en-US" altLang="zh-CN" dirty="0">
                 <a:sym typeface="Arial" panose="020B0604020202020204" pitchFamily="34" charset="0"/>
               </a:rPr>
               <a:t>4. </a:t>
             </a:r>
             <a:r>
-              <a:rPr lang="zh-CN" altLang="en-US">
+              <a:rPr lang="zh-CN" altLang="en-US" dirty="0">
                 <a:sym typeface="Arial" panose="020B0604020202020204" pitchFamily="34" charset="0"/>
               </a:rPr>
-              <a:t>数据库的重组织与重构造</a:t>
-            </a:r>
-            <a:endParaRPr lang="zh-CN" altLang="en-US"/>
+              <a:t>数据库</a:t>
+            </a:r>
+            <a:r>
+              <a:rPr lang="zh-CN" altLang="en-US" dirty="0">
+                <a:highlight>
+                  <a:srgbClr val="FFFF00"/>
+                </a:highlight>
+                <a:sym typeface="Arial" panose="020B0604020202020204" pitchFamily="34" charset="0"/>
+              </a:rPr>
+              <a:t>重组织与重构造</a:t>
+            </a:r>
+            <a:endParaRPr lang="zh-CN" altLang="en-US" dirty="0">
+              <a:highlight>
+                <a:srgbClr val="FFFF00"/>
+              </a:highlight>
+            </a:endParaRPr>
           </a:p>
         </p:txBody>
       </p:sp>
@@ -6149,7 +6062,7 @@
 </p:sld>
 </file>
 
-<file path=ppt/slides/slide24.xml><?xml version="1.0" encoding="utf-8"?>
+<file path=ppt/slides/slide22.xml><?xml version="1.0" encoding="utf-8"?>
 <p:sld xmlns:a="http://schemas.openxmlformats.org/drawingml/2006/main" xmlns:r="http://schemas.openxmlformats.org/officeDocument/2006/relationships" xmlns:p="http://schemas.openxmlformats.org/presentationml/2006/main">
   <p:cSld>
     <p:spTree>
@@ -6307,35 +6220,35 @@
           <a:lstStyle/>
           <a:p>
             <a:r>
-              <a:rPr lang="zh-CN" altLang="en-US" sz="2400" b="1"/>
+              <a:rPr lang="zh-CN" altLang="en-US" sz="2400" b="1" dirty="0"/>
               <a:t>作业：课后习题 </a:t>
             </a:r>
             <a:r>
-              <a:rPr lang="en-US" altLang="zh-CN" sz="2400" b="1"/>
+              <a:rPr lang="en-US" altLang="zh-CN" sz="2400" b="1" dirty="0"/>
               <a:t>7</a:t>
             </a:r>
             <a:r>
-              <a:rPr lang="zh-CN" altLang="en-US" sz="2400" b="1"/>
+              <a:rPr lang="zh-CN" altLang="en-US" sz="2400" b="1" dirty="0"/>
               <a:t>、</a:t>
             </a:r>
             <a:r>
-              <a:rPr lang="en-US" altLang="zh-CN" sz="2400" b="1"/>
+              <a:rPr lang="en-US" altLang="zh-CN" sz="2400" b="1" dirty="0"/>
               <a:t>8</a:t>
             </a:r>
             <a:r>
-              <a:rPr lang="zh-CN" altLang="en-US" sz="2400" b="1"/>
+              <a:rPr lang="zh-CN" altLang="en-US" sz="2400" b="1" dirty="0"/>
               <a:t>、</a:t>
             </a:r>
             <a:r>
-              <a:rPr lang="en-US" altLang="zh-CN" sz="2400" b="1"/>
+              <a:rPr lang="en-US" altLang="zh-CN" sz="2400" b="1" dirty="0"/>
               <a:t>10</a:t>
             </a:r>
             <a:r>
-              <a:rPr lang="zh-CN" altLang="en-US" sz="2400" b="1"/>
+              <a:rPr lang="zh-CN" altLang="en-US" sz="2400" b="1" dirty="0"/>
               <a:t>、</a:t>
             </a:r>
             <a:r>
-              <a:rPr lang="en-US" altLang="zh-CN" sz="2400" b="1"/>
+              <a:rPr lang="en-US" altLang="zh-CN" sz="2400" b="1" dirty="0"/>
               <a:t>11</a:t>
             </a:r>
           </a:p>
@@ -6433,20 +6346,61 @@
               <a:buNone/>
             </a:pPr>
             <a:r>
-              <a:rPr lang="en-US" altLang="zh-CN">
+              <a:rPr lang="en-US" altLang="zh-CN" dirty="0">
                 <a:solidFill>
                   <a:srgbClr val="00B050"/>
                 </a:solidFill>
               </a:rPr>
-              <a:t>7.4.1  E-R</a:t>
-            </a:r>
-            <a:r>
-              <a:rPr lang="zh-CN" altLang="en-US">
+              <a:t>7.4.1  </a:t>
+            </a:r>
+            <a:r>
+              <a:rPr lang="en-US" altLang="zh-CN" dirty="0">
                 <a:solidFill>
                   <a:srgbClr val="00B050"/>
                 </a:solidFill>
-              </a:rPr>
-              <a:t>图向关系模型的转换</a:t>
+                <a:highlight>
+                  <a:srgbClr val="FFFF00"/>
+                </a:highlight>
+              </a:rPr>
+              <a:t>E-R</a:t>
+            </a:r>
+            <a:r>
+              <a:rPr lang="zh-CN" altLang="en-US" dirty="0">
+                <a:solidFill>
+                  <a:srgbClr val="00B050"/>
+                </a:solidFill>
+                <a:highlight>
+                  <a:srgbClr val="FFFF00"/>
+                </a:highlight>
+              </a:rPr>
+              <a:t>图</a:t>
+            </a:r>
+            <a:r>
+              <a:rPr lang="zh-CN" altLang="en-US" dirty="0">
+                <a:solidFill>
+                  <a:srgbClr val="00B050"/>
+                </a:solidFill>
+              </a:rPr>
+              <a:t>向</a:t>
+            </a:r>
+            <a:r>
+              <a:rPr lang="zh-CN" altLang="en-US" dirty="0">
+                <a:solidFill>
+                  <a:srgbClr val="00B050"/>
+                </a:solidFill>
+                <a:highlight>
+                  <a:srgbClr val="FFFF00"/>
+                </a:highlight>
+              </a:rPr>
+              <a:t>关系模型</a:t>
+            </a:r>
+            <a:r>
+              <a:rPr lang="zh-CN" altLang="en-US" dirty="0">
+                <a:solidFill>
+                  <a:srgbClr val="00B050"/>
+                </a:solidFill>
+              </a:rPr>
+              <a:t>的转换</a:t>
             </a:r>
           </a:p>
           <a:p>
@@ -6458,14 +6412,14 @@
               <a:buNone/>
             </a:pPr>
             <a:r>
-              <a:rPr lang="en-US" altLang="zh-CN"/>
+              <a:rPr lang="en-US" altLang="zh-CN" dirty="0"/>
               <a:t>7.4.2  </a:t>
             </a:r>
             <a:r>
-              <a:rPr lang="zh-CN" altLang="en-US"/>
+              <a:rPr lang="zh-CN" altLang="en-US" dirty="0"/>
               <a:t>数据模型的优化</a:t>
             </a:r>
-            <a:endParaRPr lang="en-US" altLang="zh-CN"/>
+            <a:endParaRPr lang="en-US" altLang="zh-CN" dirty="0"/>
           </a:p>
           <a:p>
             <a:pPr marL="0" indent="0">
@@ -6476,11 +6430,11 @@
               <a:buNone/>
             </a:pPr>
             <a:r>
-              <a:rPr lang="en-US" altLang="zh-CN"/>
+              <a:rPr lang="en-US" altLang="zh-CN" dirty="0"/>
               <a:t>7.4.3  </a:t>
             </a:r>
             <a:r>
-              <a:rPr lang="zh-CN" altLang="en-US"/>
+              <a:rPr lang="zh-CN" altLang="en-US" dirty="0"/>
               <a:t>设计用户子模式</a:t>
             </a:r>
           </a:p>
@@ -6594,60 +6548,6 @@
               <a:buFont typeface="Wingdings" panose="05000000000000000000" pitchFamily="2" charset="2"/>
               <a:buNone/>
             </a:pPr>
-            <a:r>
-              <a:rPr lang="zh-CN" altLang="en-US" sz="2000" noProof="1">
-                <a:sym typeface="+mn-ea"/>
-              </a:rPr>
-              <a:t>把概念模型（</a:t>
-            </a:r>
-            <a:r>
-              <a:rPr lang="en-US" altLang="zh-CN" sz="2000" noProof="1">
-                <a:sym typeface="+mn-ea"/>
-              </a:rPr>
-              <a:t>E-R</a:t>
-            </a:r>
-            <a:r>
-              <a:rPr lang="zh-CN" altLang="en-US" sz="2000" noProof="1">
-                <a:sym typeface="+mn-ea"/>
-              </a:rPr>
-              <a:t>图）转换为关系模型（基本表）</a:t>
-            </a:r>
-            <a:endParaRPr lang="zh-CN" altLang="en-US" sz="2000" noProof="1"/>
-          </a:p>
-          <a:p>
-            <a:pPr lvl="1">
-              <a:lnSpc>
-                <a:spcPct val="150000"/>
-              </a:lnSpc>
-            </a:pPr>
-            <a:r>
-              <a:rPr lang="en-US" altLang="zh-CN" sz="2000" noProof="1"/>
-              <a:t>E-R</a:t>
-            </a:r>
-            <a:r>
-              <a:rPr lang="zh-CN" altLang="en-US" sz="2000" noProof="1"/>
-              <a:t>图由实体、属性和联系组成</a:t>
-            </a:r>
-          </a:p>
-          <a:p>
-            <a:pPr lvl="1">
-              <a:lnSpc>
-                <a:spcPct val="150000"/>
-              </a:lnSpc>
-            </a:pPr>
-            <a:r>
-              <a:rPr lang="zh-CN" altLang="en-US" sz="2000" noProof="1"/>
-              <a:t>关系模型的逻辑结构是一组关系模式的集合</a:t>
-            </a:r>
-          </a:p>
-          <a:p>
-            <a:pPr marL="457200" lvl="1" indent="0">
-              <a:lnSpc>
-                <a:spcPct val="150000"/>
-              </a:lnSpc>
-              <a:buFont typeface="Wingdings" panose="05000000000000000000" pitchFamily="2" charset="2"/>
-              <a:buNone/>
-            </a:pPr>
             <a:endParaRPr lang="en-US" altLang="zh-CN" noProof="1">
               <a:solidFill>
                 <a:srgbClr val="0066FF"/>
@@ -6663,7 +6563,7 @@
               <a:buNone/>
             </a:pPr>
             <a:r>
-              <a:rPr lang="zh-CN" altLang="en-US" noProof="1">
+              <a:rPr lang="zh-CN" altLang="en-US" sz="3600" noProof="1">
                 <a:solidFill>
                   <a:srgbClr val="0066FF"/>
                 </a:solidFill>
@@ -6674,7 +6574,7 @@
               <a:t>将</a:t>
             </a:r>
             <a:r>
-              <a:rPr lang="en-US" altLang="zh-CN" noProof="1">
+              <a:rPr lang="en-US" altLang="zh-CN" sz="3600" noProof="1">
                 <a:solidFill>
                   <a:srgbClr val="FF0000"/>
                 </a:solidFill>
@@ -6685,7 +6585,7 @@
               <a:t>E-R</a:t>
             </a:r>
             <a:r>
-              <a:rPr lang="zh-CN" altLang="en-US" noProof="1">
+              <a:rPr lang="zh-CN" altLang="en-US" sz="3600" noProof="1">
                 <a:solidFill>
                   <a:srgbClr val="FF0000"/>
                 </a:solidFill>
@@ -6696,7 +6596,7 @@
               <a:t>图</a:t>
             </a:r>
             <a:r>
-              <a:rPr lang="zh-CN" altLang="en-US" noProof="1">
+              <a:rPr lang="zh-CN" altLang="en-US" sz="3600" noProof="1">
                 <a:solidFill>
                   <a:srgbClr val="0066FF"/>
                 </a:solidFill>
@@ -6707,7 +6607,7 @@
               <a:t>转换为</a:t>
             </a:r>
             <a:r>
-              <a:rPr lang="zh-CN" altLang="en-US" noProof="1">
+              <a:rPr lang="zh-CN" altLang="en-US" sz="3600" noProof="1">
                 <a:solidFill>
                   <a:srgbClr val="FF0000"/>
                 </a:solidFill>
@@ -6717,7 +6617,7 @@
               </a:rPr>
               <a:t>表</a:t>
             </a:r>
-            <a:endParaRPr lang="zh-CN" altLang="en-US" noProof="1">
+            <a:endParaRPr lang="zh-CN" altLang="en-US" sz="3600" noProof="1">
               <a:solidFill>
                 <a:srgbClr val="0066FF"/>
               </a:solidFill>
@@ -6835,20 +6735,7 @@
                   <a:srgbClr val="0066FF"/>
                 </a:solidFill>
               </a:rPr>
-              <a:t>实体</a:t>
-            </a:r>
-          </a:p>
-          <a:p>
-            <a:pPr>
-              <a:lnSpc>
-                <a:spcPct val="150000"/>
-              </a:lnSpc>
-              <a:buFont typeface="Wingdings" panose="05000000000000000000" pitchFamily="2" charset="2"/>
-              <a:buNone/>
-            </a:pPr>
-            <a:r>
-              <a:rPr lang="en-US" altLang="zh-CN" noProof="1"/>
-              <a:t>    </a:t>
+              <a:t>实体：</a:t>
             </a:r>
             <a:r>
               <a:rPr lang="zh-CN" altLang="en-US" sz="2000" noProof="1"/>
@@ -6879,7 +6766,7 @@
                 </a:solidFill>
                 <a:sym typeface="+mn-ea"/>
               </a:rPr>
-              <a:t>联系</a:t>
+              <a:t>联系：</a:t>
             </a:r>
           </a:p>
           <a:p>
@@ -7318,7 +7205,29 @@
                 <a:ea typeface="+mn-ea"/>
                 <a:sym typeface="+mn-ea"/>
               </a:rPr>
-              <a:t>部门（</a:t>
+              <a:t>部</a:t>
+            </a:r>
+            <a:r>
+              <a:rPr lang="en-US" altLang="zh-CN" b="1" kern="0" dirty="0">
+                <a:solidFill>
+                  <a:srgbClr val="0066FF"/>
+                </a:solidFill>
+                <a:latin typeface="+mn-lt"/>
+                <a:ea typeface="+mn-ea"/>
+                <a:sym typeface="+mn-ea"/>
+              </a:rPr>
+              <a:t>   </a:t>
+            </a:r>
+            <a:r>
+              <a:rPr lang="zh-CN" altLang="zh-CN" b="1" kern="0" dirty="0">
+                <a:solidFill>
+                  <a:srgbClr val="0066FF"/>
+                </a:solidFill>
+                <a:latin typeface="+mn-lt"/>
+                <a:ea typeface="+mn-ea"/>
+                <a:sym typeface="+mn-ea"/>
+              </a:rPr>
+              <a:t>门（</a:t>
             </a:r>
             <a:r>
               <a:rPr lang="zh-CN" altLang="zh-CN" b="1" u="sng" kern="0" dirty="0">
@@ -7365,10 +7274,10 @@
                 <a:ea typeface="+mn-ea"/>
                 <a:sym typeface="+mn-ea"/>
               </a:rPr>
-              <a:t>职工（</a:t>
-            </a:r>
-            <a:r>
-              <a:rPr lang="zh-CN" altLang="zh-CN" b="1" u="sng" kern="0" dirty="0">
+              <a:t>职</a:t>
+            </a:r>
+            <a:r>
+              <a:rPr lang="en-US" altLang="zh-CN" b="1" kern="0" dirty="0">
                 <a:solidFill>
                   <a:srgbClr val="0066FF"/>
                 </a:solidFill>
@@ -7376,7 +7285,7 @@
                 <a:ea typeface="+mn-ea"/>
                 <a:sym typeface="+mn-ea"/>
               </a:rPr>
-              <a:t>职工号</a:t>
+              <a:t>   </a:t>
             </a:r>
             <a:r>
               <a:rPr lang="zh-CN" altLang="zh-CN" b="1" kern="0" dirty="0">
@@ -7387,7 +7296,51 @@
                 <a:ea typeface="+mn-ea"/>
                 <a:sym typeface="+mn-ea"/>
               </a:rPr>
-              <a:t>、部门号，职工名，职务，…）</a:t>
+              <a:t>工（</a:t>
+            </a:r>
+            <a:r>
+              <a:rPr lang="zh-CN" altLang="zh-CN" b="1" u="sng" kern="0">
+                <a:solidFill>
+                  <a:srgbClr val="0066FF"/>
+                </a:solidFill>
+                <a:latin typeface="+mn-lt"/>
+                <a:ea typeface="+mn-ea"/>
+                <a:sym typeface="+mn-ea"/>
+              </a:rPr>
+              <a:t>职工号</a:t>
+            </a:r>
+            <a:r>
+              <a:rPr lang="zh-CN" altLang="en-US" b="1" kern="0">
+                <a:solidFill>
+                  <a:srgbClr val="0066FF"/>
+                </a:solidFill>
+                <a:latin typeface="+mn-lt"/>
+                <a:ea typeface="+mn-ea"/>
+                <a:sym typeface="+mn-ea"/>
+              </a:rPr>
+              <a:t>，</a:t>
+            </a:r>
+            <a:r>
+              <a:rPr lang="zh-CN" altLang="zh-CN" b="1" kern="0">
+                <a:solidFill>
+                  <a:srgbClr val="0066FF"/>
+                </a:solidFill>
+                <a:latin typeface="+mn-lt"/>
+                <a:ea typeface="+mn-ea"/>
+                <a:sym typeface="+mn-ea"/>
+              </a:rPr>
+              <a:t>部</a:t>
+            </a:r>
+            <a:r>
+              <a:rPr lang="zh-CN" altLang="zh-CN" b="1" kern="0" dirty="0">
+                <a:solidFill>
+                  <a:srgbClr val="0066FF"/>
+                </a:solidFill>
+                <a:latin typeface="+mn-lt"/>
+                <a:ea typeface="+mn-ea"/>
+                <a:sym typeface="+mn-ea"/>
+              </a:rPr>
+              <a:t>门号，职工名，职务，…）</a:t>
             </a:r>
           </a:p>
           <a:p>
@@ -7412,7 +7365,29 @@
                 <a:ea typeface="+mn-ea"/>
                 <a:sym typeface="+mn-ea"/>
               </a:rPr>
-              <a:t>产品（</a:t>
+              <a:t>产</a:t>
+            </a:r>
+            <a:r>
+              <a:rPr lang="en-US" altLang="zh-CN" b="1" kern="0" dirty="0">
+                <a:solidFill>
+                  <a:srgbClr val="0066FF"/>
+                </a:solidFill>
+                <a:latin typeface="+mn-lt"/>
+                <a:ea typeface="+mn-ea"/>
+                <a:sym typeface="+mn-ea"/>
+              </a:rPr>
+              <a:t>   </a:t>
+            </a:r>
+            <a:r>
+              <a:rPr lang="zh-CN" altLang="zh-CN" b="1" kern="0" dirty="0">
+                <a:solidFill>
+                  <a:srgbClr val="0066FF"/>
+                </a:solidFill>
+                <a:latin typeface="+mn-lt"/>
+                <a:ea typeface="+mn-ea"/>
+                <a:sym typeface="+mn-ea"/>
+              </a:rPr>
+              <a:t>品（</a:t>
             </a:r>
             <a:r>
               <a:rPr lang="zh-CN" altLang="zh-CN" b="1" u="sng" kern="0" dirty="0">
@@ -7506,7 +7481,29 @@
                 <a:ea typeface="+mn-ea"/>
                 <a:sym typeface="+mn-ea"/>
               </a:rPr>
-              <a:t>零件（</a:t>
+              <a:t>零</a:t>
+            </a:r>
+            <a:r>
+              <a:rPr lang="en-US" altLang="zh-CN" b="1" kern="0" dirty="0">
+                <a:solidFill>
+                  <a:srgbClr val="0066FF"/>
+                </a:solidFill>
+                <a:latin typeface="+mn-lt"/>
+                <a:ea typeface="+mn-ea"/>
+                <a:sym typeface="+mn-ea"/>
+              </a:rPr>
+              <a:t>   </a:t>
+            </a:r>
+            <a:r>
+              <a:rPr lang="zh-CN" altLang="zh-CN" b="1" kern="0" dirty="0">
+                <a:solidFill>
+                  <a:srgbClr val="0066FF"/>
+                </a:solidFill>
+                <a:latin typeface="+mn-lt"/>
+                <a:ea typeface="+mn-ea"/>
+                <a:sym typeface="+mn-ea"/>
+              </a:rPr>
+              <a:t>件（</a:t>
             </a:r>
             <a:r>
               <a:rPr lang="zh-CN" altLang="zh-CN" b="1" u="sng" kern="0" dirty="0">
@@ -7600,7 +7597,29 @@
                 <a:ea typeface="+mn-ea"/>
                 <a:sym typeface="+mn-ea"/>
               </a:rPr>
-              <a:t>供应（</a:t>
+              <a:t>供</a:t>
+            </a:r>
+            <a:r>
+              <a:rPr lang="en-US" altLang="zh-CN" b="1" kern="0" dirty="0">
+                <a:solidFill>
+                  <a:srgbClr val="FF0000"/>
+                </a:solidFill>
+                <a:latin typeface="+mn-lt"/>
+                <a:ea typeface="+mn-ea"/>
+                <a:sym typeface="+mn-ea"/>
+              </a:rPr>
+              <a:t>   </a:t>
+            </a:r>
+            <a:r>
+              <a:rPr lang="zh-CN" altLang="zh-CN" b="1" kern="0" dirty="0">
+                <a:solidFill>
+                  <a:srgbClr val="FF0000"/>
+                </a:solidFill>
+                <a:latin typeface="+mn-lt"/>
+                <a:ea typeface="+mn-ea"/>
+                <a:sym typeface="+mn-ea"/>
+              </a:rPr>
+              <a:t>应（</a:t>
             </a:r>
             <a:r>
               <a:rPr lang="zh-CN" altLang="zh-CN" b="1" u="sng" kern="0" dirty="0">
@@ -7902,11 +7921,50 @@
               </a:rPr>
               <a:t>数据模型的优化：</a:t>
             </a:r>
+            <a:endParaRPr lang="en-US" altLang="zh-CN" dirty="0">
+              <a:sym typeface="Arial" panose="020B0604020202020204" pitchFamily="34" charset="0"/>
+            </a:endParaRPr>
+          </a:p>
+          <a:p>
+            <a:pPr marL="457200" lvl="1" indent="0">
+              <a:lnSpc>
+                <a:spcPct val="120000"/>
+              </a:lnSpc>
+              <a:buNone/>
+            </a:pPr>
             <a:r>
               <a:rPr lang="zh-CN" altLang="en-US" dirty="0">
                 <a:sym typeface="Arial" panose="020B0604020202020204" pitchFamily="34" charset="0"/>
               </a:rPr>
-              <a:t>得到初步数据模型后，还应该适当地修改、调整数据模型的结构，以进一步提高数据库应用系统的性能。</a:t>
+              <a:t>修改、调整数据模型的结构</a:t>
+            </a:r>
+            <a:endParaRPr lang="en-US" altLang="zh-CN" dirty="0">
+              <a:sym typeface="Arial" panose="020B0604020202020204" pitchFamily="34" charset="0"/>
+            </a:endParaRPr>
+          </a:p>
+          <a:p>
+            <a:pPr marL="457200" lvl="1" indent="0">
+              <a:lnSpc>
+                <a:spcPct val="120000"/>
+              </a:lnSpc>
+              <a:buNone/>
+            </a:pPr>
+            <a:endParaRPr lang="en-US" altLang="zh-CN" dirty="0">
+              <a:sym typeface="Arial" panose="020B0604020202020204" pitchFamily="34" charset="0"/>
+            </a:endParaRPr>
+          </a:p>
+          <a:p>
+            <a:pPr marL="457200" lvl="1" indent="0">
+              <a:lnSpc>
+                <a:spcPct val="120000"/>
+              </a:lnSpc>
+              <a:buNone/>
+            </a:pPr>
+            <a:r>
+              <a:rPr lang="zh-CN" altLang="en-US" dirty="0">
+                <a:sym typeface="Arial" panose="020B0604020202020204" pitchFamily="34" charset="0"/>
+              </a:rPr>
+              <a:t>提高数据库应用系统的性能</a:t>
             </a:r>
           </a:p>
           <a:p>
@@ -7942,9 +8000,255 @@
               <a:rPr lang="zh-CN" altLang="en-US" dirty="0">
                 <a:sym typeface="Arial" panose="020B0604020202020204" pitchFamily="34" charset="0"/>
               </a:rPr>
-              <a:t>为指导。</a:t>
+              <a:t>为指导</a:t>
             </a:r>
             <a:endParaRPr lang="zh-CN" altLang="en-US" dirty="0"/>
+          </a:p>
+        </p:txBody>
+      </p:sp>
+      <p:sp>
+        <p:nvSpPr>
+          <p:cNvPr id="2" name="箭头: 下 1">
+            <a:extLst>
+              <a:ext uri="{FF2B5EF4-FFF2-40B4-BE49-F238E27FC236}">
+                <a16:creationId xmlns:a16="http://schemas.microsoft.com/office/drawing/2014/main" id="{04FB6A5D-2B26-4252-B4FA-7960AA3F7BBC}"/>
+              </a:ext>
+            </a:extLst>
+          </p:cNvPr>
+          <p:cNvSpPr/>
+          <p:nvPr/>
+        </p:nvSpPr>
+        <p:spPr bwMode="auto">
+          <a:xfrm>
+            <a:off x="2267744" y="3573016"/>
+            <a:ext cx="720080" cy="648072"/>
+          </a:xfrm>
+          <a:prstGeom prst="downArrow">
+            <a:avLst/>
+          </a:prstGeom>
+          <a:noFill/>
+          <a:ln w="9525" cap="flat" cmpd="sng" algn="ctr">
+            <a:noFill/>
+            <a:prstDash val="solid"/>
+            <a:round/>
+            <a:headEnd type="none" w="med" len="med"/>
+            <a:tailEnd type="none" w="med" len="med"/>
+          </a:ln>
+        </p:spPr>
+        <p:txBody>
+          <a:bodyPr vert="horz" wrap="square" lIns="91440" tIns="45720" rIns="91440" bIns="45720" numCol="1" rtlCol="0" anchor="t" anchorCtr="0" compatLnSpc="1"/>
+          <a:lstStyle/>
+          <a:p>
+            <a:pPr marL="0" marR="0" indent="0" algn="l" defTabSz="914400" rtl="0" eaLnBrk="1" fontAlgn="base" latinLnBrk="0" hangingPunct="1">
+              <a:spcBef>
+                <a:spcPct val="0"/>
+              </a:spcBef>
+              <a:spcAft>
+                <a:spcPct val="0"/>
+              </a:spcAft>
+              <a:buClrTx/>
+              <a:buSzTx/>
+              <a:buFont typeface="Arial" pitchFamily="34" charset="0"/>
+              <a:buNone/>
+            </a:pPr>
+            <a:endParaRPr kumimoji="0" lang="zh-CN" altLang="en-US" sz="1800" b="0" i="0" u="none" strike="noStrike" cap="none" normalizeH="0" baseline="0">
+              <a:ln>
+                <a:noFill/>
+              </a:ln>
+              <a:solidFill>
+                <a:schemeClr val="tx1"/>
+              </a:solidFill>
+              <a:effectLst/>
+              <a:latin typeface="Arial" pitchFamily="34" charset="0"/>
+              <a:ea typeface="宋体" pitchFamily="2" charset="-122"/>
+            </a:endParaRPr>
+          </a:p>
+        </p:txBody>
+      </p:sp>
+      <p:sp>
+        <p:nvSpPr>
+          <p:cNvPr id="3" name="箭头: 下 2">
+            <a:extLst>
+              <a:ext uri="{FF2B5EF4-FFF2-40B4-BE49-F238E27FC236}">
+                <a16:creationId xmlns:a16="http://schemas.microsoft.com/office/drawing/2014/main" id="{21699FAD-C0D6-4128-ABCF-F25D2593B4E5}"/>
+              </a:ext>
+            </a:extLst>
+          </p:cNvPr>
+          <p:cNvSpPr/>
+          <p:nvPr/>
+        </p:nvSpPr>
+        <p:spPr bwMode="auto">
+          <a:xfrm>
+            <a:off x="5724128" y="2348880"/>
+            <a:ext cx="864096" cy="936104"/>
+          </a:xfrm>
+          <a:prstGeom prst="downArrow">
+            <a:avLst/>
+          </a:prstGeom>
+          <a:noFill/>
+          <a:ln w="9525" cap="flat" cmpd="sng" algn="ctr">
+            <a:noFill/>
+            <a:prstDash val="solid"/>
+            <a:round/>
+            <a:headEnd type="none" w="med" len="med"/>
+            <a:tailEnd type="none" w="med" len="med"/>
+          </a:ln>
+        </p:spPr>
+        <p:txBody>
+          <a:bodyPr vert="horz" wrap="square" lIns="91440" tIns="45720" rIns="91440" bIns="45720" numCol="1" rtlCol="0" anchor="t" anchorCtr="0" compatLnSpc="1"/>
+          <a:lstStyle/>
+          <a:p>
+            <a:pPr marL="0" marR="0" indent="0" algn="l" defTabSz="914400" rtl="0" eaLnBrk="1" fontAlgn="base" latinLnBrk="0" hangingPunct="1">
+              <a:spcBef>
+                <a:spcPct val="0"/>
+              </a:spcBef>
+              <a:spcAft>
+                <a:spcPct val="0"/>
+              </a:spcAft>
+              <a:buClrTx/>
+              <a:buSzTx/>
+              <a:buFont typeface="Arial" pitchFamily="34" charset="0"/>
+              <a:buNone/>
+            </a:pPr>
+            <a:endParaRPr kumimoji="0" lang="zh-CN" altLang="en-US" sz="1800" b="0" i="0" u="none" strike="noStrike" cap="none" normalizeH="0" baseline="0">
+              <a:ln>
+                <a:noFill/>
+              </a:ln>
+              <a:solidFill>
+                <a:schemeClr val="tx1"/>
+              </a:solidFill>
+              <a:effectLst/>
+              <a:latin typeface="Arial" pitchFamily="34" charset="0"/>
+              <a:ea typeface="宋体" pitchFamily="2" charset="-122"/>
+            </a:endParaRPr>
+          </a:p>
+        </p:txBody>
+      </p:sp>
+      <p:sp>
+        <p:nvSpPr>
+          <p:cNvPr id="4" name="箭头: 下 3">
+            <a:extLst>
+              <a:ext uri="{FF2B5EF4-FFF2-40B4-BE49-F238E27FC236}">
+                <a16:creationId xmlns:a16="http://schemas.microsoft.com/office/drawing/2014/main" id="{DC81418C-5F4E-478F-9C48-DAD473A7FA70}"/>
+              </a:ext>
+            </a:extLst>
+          </p:cNvPr>
+          <p:cNvSpPr/>
+          <p:nvPr/>
+        </p:nvSpPr>
+        <p:spPr bwMode="auto">
+          <a:xfrm>
+            <a:off x="7236296" y="836712"/>
+            <a:ext cx="484632" cy="978408"/>
+          </a:xfrm>
+          <a:prstGeom prst="downArrow">
+            <a:avLst/>
+          </a:prstGeom>
+          <a:noFill/>
+          <a:ln w="9525" cap="flat" cmpd="sng" algn="ctr">
+            <a:noFill/>
+            <a:prstDash val="solid"/>
+            <a:round/>
+            <a:headEnd type="none" w="med" len="med"/>
+            <a:tailEnd type="none" w="med" len="med"/>
+          </a:ln>
+        </p:spPr>
+        <p:txBody>
+          <a:bodyPr vert="horz" wrap="square" lIns="91440" tIns="45720" rIns="91440" bIns="45720" numCol="1" rtlCol="0" anchor="t" anchorCtr="0" compatLnSpc="1"/>
+          <a:lstStyle/>
+          <a:p>
+            <a:pPr marL="0" marR="0" indent="0" algn="l" defTabSz="914400" rtl="0" eaLnBrk="1" fontAlgn="base" latinLnBrk="0" hangingPunct="1">
+              <a:spcBef>
+                <a:spcPct val="0"/>
+              </a:spcBef>
+              <a:spcAft>
+                <a:spcPct val="0"/>
+              </a:spcAft>
+              <a:buClrTx/>
+              <a:buSzTx/>
+              <a:buFont typeface="Arial" pitchFamily="34" charset="0"/>
+              <a:buNone/>
+            </a:pPr>
+            <a:endParaRPr kumimoji="0" lang="zh-CN" altLang="en-US" sz="1800" b="0" i="0" u="none" strike="noStrike" cap="none" normalizeH="0" baseline="0">
+              <a:ln>
+                <a:noFill/>
+              </a:ln>
+              <a:solidFill>
+                <a:schemeClr val="tx1"/>
+              </a:solidFill>
+              <a:effectLst/>
+              <a:latin typeface="Arial" pitchFamily="34" charset="0"/>
+              <a:ea typeface="宋体" pitchFamily="2" charset="-122"/>
+            </a:endParaRPr>
+          </a:p>
+        </p:txBody>
+      </p:sp>
+      <p:sp>
+        <p:nvSpPr>
+          <p:cNvPr id="5" name="箭头: 下 4">
+            <a:extLst>
+              <a:ext uri="{FF2B5EF4-FFF2-40B4-BE49-F238E27FC236}">
+                <a16:creationId xmlns:a16="http://schemas.microsoft.com/office/drawing/2014/main" id="{E3DEBEF4-3BA1-42A8-8542-2AAAA5EFDC79}"/>
+              </a:ext>
+            </a:extLst>
+          </p:cNvPr>
+          <p:cNvSpPr/>
+          <p:nvPr/>
+        </p:nvSpPr>
+        <p:spPr bwMode="auto">
+          <a:xfrm>
+            <a:off x="2339752" y="3573016"/>
+            <a:ext cx="720079" cy="648072"/>
+          </a:xfrm>
+          <a:prstGeom prst="downArrow">
+            <a:avLst/>
+          </a:prstGeom>
+          <a:ln>
+            <a:headEnd type="none" w="med" len="med"/>
+            <a:tailEnd type="none" w="med" len="med"/>
+          </a:ln>
+        </p:spPr>
+        <p:style>
+          <a:lnRef idx="2">
+            <a:schemeClr val="accent6"/>
+          </a:lnRef>
+          <a:fillRef idx="1">
+            <a:schemeClr val="lt1"/>
+          </a:fillRef>
+          <a:effectRef idx="0">
+            <a:schemeClr val="accent6"/>
+          </a:effectRef>
+          <a:fontRef idx="minor">
+            <a:schemeClr val="dk1"/>
+          </a:fontRef>
+        </p:style>
+        <p:txBody>
+          <a:bodyPr vert="horz" wrap="square" lIns="91440" tIns="45720" rIns="91440" bIns="45720" numCol="1" rtlCol="0" anchor="t" anchorCtr="0" compatLnSpc="1"/>
+          <a:lstStyle/>
+          <a:p>
+            <a:pPr marL="0" marR="0" indent="0" algn="l" defTabSz="914400" rtl="0" eaLnBrk="1" fontAlgn="base" latinLnBrk="0" hangingPunct="1">
+              <a:spcBef>
+                <a:spcPct val="0"/>
+              </a:spcBef>
+              <a:spcAft>
+                <a:spcPct val="0"/>
+              </a:spcAft>
+              <a:buClrTx/>
+              <a:buSzTx/>
+              <a:buFont typeface="Arial" pitchFamily="34" charset="0"/>
+              <a:buNone/>
+            </a:pPr>
+            <a:endParaRPr kumimoji="0" lang="zh-CN" altLang="en-US" sz="1800" b="0" i="0" u="none" strike="noStrike" cap="none" normalizeH="0" baseline="0">
+              <a:ln>
+                <a:noFill/>
+              </a:ln>
+              <a:solidFill>
+                <a:schemeClr val="tx1"/>
+              </a:solidFill>
+              <a:effectLst/>
+              <a:latin typeface="Arial" pitchFamily="34" charset="0"/>
+              <a:ea typeface="宋体" pitchFamily="2" charset="-122"/>
+            </a:endParaRPr>
           </a:p>
         </p:txBody>
       </p:sp>
